--- a/Slides/Slides-03-Intro_to_Valtools/Slides-03-Intro-Valtools.pptx
+++ b/Slides/Slides-03-Intro_to_Valtools/Slides-03-Intro-Valtools.pptx
@@ -121,7 +121,7 @@
   </p:defaultTextStyle>
   <p:extLst>
     <p:ext uri="{EFAFB233-063F-42B5-8137-9DF3F51BA10A}">
-      <p15:sldGuideLst xmlns:p15="http://schemas.microsoft.com/office/powerpoint/2012/main"/>
+      <p15:sldGuideLst xmlns:p15="http://schemas.microsoft.com/office/powerpoint/2012/main" xmlns=""/>
     </p:ext>
   </p:extLst>
 </p:presentation>
@@ -209,7 +209,7 @@
           <a:p>
             <a:fld id="{AE1375EF-7AC2-40F0-8984-3657FAAC21B8}" type="datetimeFigureOut">
               <a:rPr lang="en-US" smtClean="0"/>
-              <a:t>6/3/2021</a:t>
+              <a:t>9/12/2021</a:t>
             </a:fld>
             <a:endParaRPr lang="en-US"/>
           </a:p>
@@ -2158,7 +2158,7 @@
           <p:cNvPr id="5" name="Rectangle 4">
             <a:extLst>
               <a:ext uri="{FF2B5EF4-FFF2-40B4-BE49-F238E27FC236}">
-                <a16:creationId xmlns:a16="http://schemas.microsoft.com/office/drawing/2014/main" id="{904DB13E-F722-4ED6-BB00-556651E95281}"/>
+                <a16:creationId xmlns:a16="http://schemas.microsoft.com/office/drawing/2014/main" xmlns="" id="{904DB13E-F722-4ED6-BB00-556651E95281}"/>
               </a:ext>
             </a:extLst>
           </p:cNvPr>
@@ -2307,7 +2307,7 @@
           <p:cNvPr id="7" name="Group 6">
             <a:extLst>
               <a:ext uri="{FF2B5EF4-FFF2-40B4-BE49-F238E27FC236}">
-                <a16:creationId xmlns:a16="http://schemas.microsoft.com/office/drawing/2014/main" id="{E26428D7-C6F3-473D-A360-A3F5C3E8728C}"/>
+                <a16:creationId xmlns:a16="http://schemas.microsoft.com/office/drawing/2014/main" xmlns="" id="{E26428D7-C6F3-473D-A360-A3F5C3E8728C}"/>
               </a:ext>
             </a:extLst>
           </p:cNvPr>
@@ -2605,7 +2605,7 @@
           <a:p>
             <a:fld id="{EA0C0817-A112-4847-8014-A94B7D2A4EA3}" type="datetime1">
               <a:rPr lang="en-US" smtClean="0"/>
-              <a:t>6/3/2021</a:t>
+              <a:t>9/12/2021</a:t>
             </a:fld>
             <a:endParaRPr lang="en-US" dirty="0"/>
           </a:p>
@@ -2807,7 +2807,7 @@
           <a:p>
             <a:fld id="{7332B432-ACDA-4023-A761-2BAB76577B62}" type="datetime1">
               <a:rPr lang="en-US" smtClean="0"/>
-              <a:t>6/3/2021</a:t>
+              <a:t>9/12/2021</a:t>
             </a:fld>
             <a:endParaRPr lang="en-US" dirty="0"/>
           </a:p>
@@ -2890,7 +2890,7 @@
           <p:cNvPr id="15" name="Rectangle 14">
             <a:extLst>
               <a:ext uri="{FF2B5EF4-FFF2-40B4-BE49-F238E27FC236}">
-                <a16:creationId xmlns:a16="http://schemas.microsoft.com/office/drawing/2014/main" id="{0A4A1889-E37C-4EC3-9E41-9DAD221CF389}"/>
+                <a16:creationId xmlns:a16="http://schemas.microsoft.com/office/drawing/2014/main" xmlns="" id="{0A4A1889-E37C-4EC3-9E41-9DAD221CF389}"/>
               </a:ext>
             </a:extLst>
           </p:cNvPr>
@@ -3087,7 +3087,7 @@
           <p:cNvPr id="16" name="Group 15">
             <a:extLst>
               <a:ext uri="{FF2B5EF4-FFF2-40B4-BE49-F238E27FC236}">
-                <a16:creationId xmlns:a16="http://schemas.microsoft.com/office/drawing/2014/main" id="{1683EB04-C23E-490C-A1A6-030CF79D23C8}"/>
+                <a16:creationId xmlns:a16="http://schemas.microsoft.com/office/drawing/2014/main" xmlns="" id="{1683EB04-C23E-490C-A1A6-030CF79D23C8}"/>
               </a:ext>
             </a:extLst>
           </p:cNvPr>
@@ -3107,7 +3107,7 @@
             <p:cNvPr id="17" name="Straight Connector 16">
               <a:extLst>
                 <a:ext uri="{FF2B5EF4-FFF2-40B4-BE49-F238E27FC236}">
-                  <a16:creationId xmlns:a16="http://schemas.microsoft.com/office/drawing/2014/main" id="{F8A84C03-E1CA-4A4E-81D6-9BB0C335B7A0}"/>
+                  <a16:creationId xmlns:a16="http://schemas.microsoft.com/office/drawing/2014/main" xmlns="" id="{F8A84C03-E1CA-4A4E-81D6-9BB0C335B7A0}"/>
                 </a:ext>
               </a:extLst>
             </p:cNvPr>
@@ -3155,7 +3155,7 @@
             <p:cNvPr id="18" name="Straight Connector 17">
               <a:extLst>
                 <a:ext uri="{FF2B5EF4-FFF2-40B4-BE49-F238E27FC236}">
-                  <a16:creationId xmlns:a16="http://schemas.microsoft.com/office/drawing/2014/main" id="{4A26FB5A-D5D1-4DAB-AC43-7F51A7F2D197}"/>
+                  <a16:creationId xmlns:a16="http://schemas.microsoft.com/office/drawing/2014/main" xmlns="" id="{4A26FB5A-D5D1-4DAB-AC43-7F51A7F2D197}"/>
                 </a:ext>
               </a:extLst>
             </p:cNvPr>
@@ -3203,7 +3203,7 @@
             <p:cNvPr id="19" name="Straight Connector 18">
               <a:extLst>
                 <a:ext uri="{FF2B5EF4-FFF2-40B4-BE49-F238E27FC236}">
-                  <a16:creationId xmlns:a16="http://schemas.microsoft.com/office/drawing/2014/main" id="{49303F14-E560-4C02-94F4-B4695FE26813}"/>
+                  <a16:creationId xmlns:a16="http://schemas.microsoft.com/office/drawing/2014/main" xmlns="" id="{49303F14-E560-4C02-94F4-B4695FE26813}"/>
                 </a:ext>
               </a:extLst>
             </p:cNvPr>
@@ -3406,7 +3406,7 @@
           <a:p>
             <a:fld id="{D9C646AA-F36E-4540-911D-FFFC0A0EF24A}" type="datetime1">
               <a:rPr lang="en-US" smtClean="0"/>
-              <a:t>6/3/2021</a:t>
+              <a:t>9/12/2021</a:t>
             </a:fld>
             <a:endParaRPr lang="en-US" dirty="0"/>
           </a:p>
@@ -3726,7 +3726,7 @@
           <a:p>
             <a:fld id="{69186D26-FA5F-4637-B602-B7C2DC34CFD4}" type="datetime1">
               <a:rPr lang="en-US" smtClean="0"/>
-              <a:t>6/3/2021</a:t>
+              <a:t>9/12/2021</a:t>
             </a:fld>
             <a:endParaRPr lang="en-US" dirty="0"/>
           </a:p>
@@ -4163,7 +4163,7 @@
           <a:p>
             <a:fld id="{8A7F15D8-96D1-4781-BC50-CA8A088B2FE4}" type="datetime1">
               <a:rPr lang="en-US" smtClean="0"/>
-              <a:t>6/3/2021</a:t>
+              <a:t>9/12/2021</a:t>
             </a:fld>
             <a:endParaRPr lang="en-US" dirty="0"/>
           </a:p>
@@ -4281,7 +4281,7 @@
           <a:p>
             <a:fld id="{F9A96C99-B8F8-4528-BD05-0E16E943DC09}" type="datetime1">
               <a:rPr lang="en-US" smtClean="0"/>
-              <a:t>6/3/2021</a:t>
+              <a:t>9/12/2021</a:t>
             </a:fld>
             <a:endParaRPr lang="en-US" dirty="0"/>
           </a:p>
@@ -4376,7 +4376,7 @@
           <a:p>
             <a:fld id="{03636942-C211-4B28-8DBD-C953E00AF71B}" type="datetime1">
               <a:rPr lang="en-US" smtClean="0"/>
-              <a:t>6/3/2021</a:t>
+              <a:t>9/12/2021</a:t>
             </a:fld>
             <a:endParaRPr lang="en-US" dirty="0"/>
           </a:p>
@@ -4459,7 +4459,7 @@
           <p:cNvPr id="10" name="Rectangle 9">
             <a:extLst>
               <a:ext uri="{FF2B5EF4-FFF2-40B4-BE49-F238E27FC236}">
-                <a16:creationId xmlns:a16="http://schemas.microsoft.com/office/drawing/2014/main" id="{D5E1BBF9-8BEF-4353-BA68-30AAF9EBD8D8}"/>
+                <a16:creationId xmlns:a16="http://schemas.microsoft.com/office/drawing/2014/main" xmlns="" id="{D5E1BBF9-8BEF-4353-BA68-30AAF9EBD8D8}"/>
               </a:ext>
             </a:extLst>
           </p:cNvPr>
@@ -4506,7 +4506,7 @@
           <p:cNvPr id="13" name="Rectangle 12">
             <a:extLst>
               <a:ext uri="{FF2B5EF4-FFF2-40B4-BE49-F238E27FC236}">
-                <a16:creationId xmlns:a16="http://schemas.microsoft.com/office/drawing/2014/main" id="{5B941C21-2A5D-4912-AB06-1BB0C0EB6AE1}"/>
+                <a16:creationId xmlns:a16="http://schemas.microsoft.com/office/drawing/2014/main" xmlns="" id="{5B941C21-2A5D-4912-AB06-1BB0C0EB6AE1}"/>
               </a:ext>
             </a:extLst>
           </p:cNvPr>
@@ -4793,7 +4793,7 @@
           <a:p>
             <a:fld id="{7E8D12A6-918A-48BD-8CB9-CA713993B0EA}" type="datetime1">
               <a:rPr lang="en-US" smtClean="0"/>
-              <a:t>6/3/2021</a:t>
+              <a:t>9/12/2021</a:t>
             </a:fld>
             <a:endParaRPr lang="en-US" dirty="0"/>
           </a:p>
@@ -4901,7 +4901,7 @@
           <p:cNvPr id="11" name="Rectangle 10">
             <a:extLst>
               <a:ext uri="{FF2B5EF4-FFF2-40B4-BE49-F238E27FC236}">
-                <a16:creationId xmlns:a16="http://schemas.microsoft.com/office/drawing/2014/main" id="{E687CA98-D9C7-497F-A1DA-7D22F8753BCE}"/>
+                <a16:creationId xmlns:a16="http://schemas.microsoft.com/office/drawing/2014/main" xmlns="" id="{E687CA98-D9C7-497F-A1DA-7D22F8753BCE}"/>
               </a:ext>
             </a:extLst>
           </p:cNvPr>
@@ -5055,7 +5055,7 @@
             <a:fld id="{E778CE86-875F-4587-BCF6-FA054AFC0D53}" type="datetime1">
               <a:rPr lang="en-US" smtClean="0"/>
               <a:pPr/>
-              <a:t>6/3/2021</a:t>
+              <a:t>9/12/2021</a:t>
             </a:fld>
             <a:endParaRPr lang="en-US" dirty="0"/>
           </a:p>
@@ -5137,7 +5137,7 @@
           <p:cNvPr id="12" name="Rectangle 11">
             <a:extLst>
               <a:ext uri="{FF2B5EF4-FFF2-40B4-BE49-F238E27FC236}">
-                <a16:creationId xmlns:a16="http://schemas.microsoft.com/office/drawing/2014/main" id="{F8B3D8CC-BB13-41A5-8F34-B8E84A4F9534}"/>
+                <a16:creationId xmlns:a16="http://schemas.microsoft.com/office/drawing/2014/main" xmlns="" id="{F8B3D8CC-BB13-41A5-8F34-B8E84A4F9534}"/>
               </a:ext>
             </a:extLst>
           </p:cNvPr>
@@ -5339,7 +5339,7 @@
           <p:cNvPr id="9" name="Rectangle 8">
             <a:extLst>
               <a:ext uri="{FF2B5EF4-FFF2-40B4-BE49-F238E27FC236}">
-                <a16:creationId xmlns:a16="http://schemas.microsoft.com/office/drawing/2014/main" id="{1E94681D-2A4C-4A8D-B9B5-31D440D0328D}"/>
+                <a16:creationId xmlns:a16="http://schemas.microsoft.com/office/drawing/2014/main" xmlns="" id="{1E94681D-2A4C-4A8D-B9B5-31D440D0328D}"/>
               </a:ext>
             </a:extLst>
           </p:cNvPr>
@@ -5571,7 +5571,7 @@
           <a:p>
             <a:fld id="{F6FA2B21-3FCD-4721-B95C-427943F61125}" type="datetime1">
               <a:rPr lang="en-US" smtClean="0"/>
-              <a:t>6/3/2021</a:t>
+              <a:t>9/12/2021</a:t>
             </a:fld>
             <a:endParaRPr lang="en-US" dirty="0"/>
           </a:p>
@@ -6051,7 +6051,7 @@
           <p:cNvPr id="6" name="Picture 5" descr="abstract image">
             <a:extLst>
               <a:ext uri="{FF2B5EF4-FFF2-40B4-BE49-F238E27FC236}">
-                <a16:creationId xmlns:a16="http://schemas.microsoft.com/office/drawing/2014/main" id="{8045422F-7258-40AC-BD2E-2469AA448922}"/>
+                <a16:creationId xmlns:a16="http://schemas.microsoft.com/office/drawing/2014/main" xmlns="" id="{8045422F-7258-40AC-BD2E-2469AA448922}"/>
               </a:ext>
             </a:extLst>
           </p:cNvPr>
@@ -6086,10 +6086,10 @@
           <p:cNvPr id="82" name="Rectangle 81">
             <a:extLst>
               <a:ext uri="{FF2B5EF4-FFF2-40B4-BE49-F238E27FC236}">
-                <a16:creationId xmlns:a16="http://schemas.microsoft.com/office/drawing/2014/main" id="{2644B391-9BFE-445C-A9EC-F544BB85FBC7}"/>
+                <a16:creationId xmlns:a16="http://schemas.microsoft.com/office/drawing/2014/main" xmlns="" id="{2644B391-9BFE-445C-A9EC-F544BB85FBC7}"/>
               </a:ext>
               <a:ext uri="{C183D7F6-B498-43B3-948B-1728B52AA6E4}">
-                <adec:decorative xmlns:adec="http://schemas.microsoft.com/office/drawing/2017/decorative" val="1"/>
+                <adec:decorative xmlns:adec="http://schemas.microsoft.com/office/drawing/2017/decorative" xmlns="" val="1"/>
               </a:ext>
             </a:extLst>
           </p:cNvPr>
@@ -6099,7 +6099,7 @@
           <p:nvPr>
             <p:extLst>
               <p:ext uri="{386F3935-93C4-4BCD-93E2-E3B085C9AB24}">
-                <p16:designElem xmlns:p16="http://schemas.microsoft.com/office/powerpoint/2015/main" val="1"/>
+                <p16:designElem xmlns:p16="http://schemas.microsoft.com/office/powerpoint/2015/main" xmlns="" val="1"/>
               </p:ext>
             </p:extLst>
           </p:nvPr>
@@ -6131,10 +6131,10 @@
           <p:cNvPr id="84" name="Rectangle 83">
             <a:extLst>
               <a:ext uri="{FF2B5EF4-FFF2-40B4-BE49-F238E27FC236}">
-                <a16:creationId xmlns:a16="http://schemas.microsoft.com/office/drawing/2014/main" id="{80F26E69-87D9-4655-AE7B-280A87AA3CAD}"/>
+                <a16:creationId xmlns:a16="http://schemas.microsoft.com/office/drawing/2014/main" xmlns="" id="{80F26E69-87D9-4655-AE7B-280A87AA3CAD}"/>
               </a:ext>
               <a:ext uri="{C183D7F6-B498-43B3-948B-1728B52AA6E4}">
-                <adec:decorative xmlns:adec="http://schemas.microsoft.com/office/drawing/2017/decorative" val="1"/>
+                <adec:decorative xmlns:adec="http://schemas.microsoft.com/office/drawing/2017/decorative" xmlns="" val="1"/>
               </a:ext>
             </a:extLst>
           </p:cNvPr>
@@ -6144,7 +6144,7 @@
           <p:nvPr>
             <p:extLst>
               <p:ext uri="{386F3935-93C4-4BCD-93E2-E3B085C9AB24}">
-                <p16:designElem xmlns:p16="http://schemas.microsoft.com/office/powerpoint/2015/main" val="1"/>
+                <p16:designElem xmlns:p16="http://schemas.microsoft.com/office/powerpoint/2015/main" xmlns="" val="1"/>
               </p:ext>
             </p:extLst>
           </p:nvPr>
@@ -6175,7 +6175,7 @@
           <p:cNvPr id="2" name="Title 1">
             <a:extLst>
               <a:ext uri="{FF2B5EF4-FFF2-40B4-BE49-F238E27FC236}">
-                <a16:creationId xmlns:a16="http://schemas.microsoft.com/office/drawing/2014/main" id="{18C3B467-088C-4F3D-A9A7-105C4E1E20CD}"/>
+                <a16:creationId xmlns:a16="http://schemas.microsoft.com/office/drawing/2014/main" xmlns="" id="{18C3B467-088C-4F3D-A9A7-105C4E1E20CD}"/>
               </a:ext>
             </a:extLst>
           </p:cNvPr>
@@ -6199,13 +6199,21 @@
           <a:lstStyle/>
           <a:p>
             <a:r>
-              <a:rPr lang="en-US" sz="4400" dirty="0">
-                <a:solidFill>
-                  <a:schemeClr val="tx1"/>
-                </a:solidFill>
-              </a:rPr>
-              <a:t>R Package Development and Validation</a:t>
-            </a:r>
+              <a:rPr lang="en-GB" sz="4400" dirty="0"/>
+              <a:t>R Package Validation</a:t>
+            </a:r>
+            <a:br>
+              <a:rPr lang="en-GB" sz="4400" dirty="0"/>
+            </a:br>
+            <a:r>
+              <a:rPr lang="en-GB" sz="4400" dirty="0"/>
+              <a:t>Workshop</a:t>
+            </a:r>
+            <a:endParaRPr lang="en-US" sz="4400" dirty="0">
+              <a:solidFill>
+                <a:schemeClr val="tx1"/>
+              </a:solidFill>
+            </a:endParaRPr>
           </a:p>
         </p:txBody>
       </p:sp>
@@ -6214,7 +6222,7 @@
           <p:cNvPr id="3" name="Subtitle 2">
             <a:extLst>
               <a:ext uri="{FF2B5EF4-FFF2-40B4-BE49-F238E27FC236}">
-                <a16:creationId xmlns:a16="http://schemas.microsoft.com/office/drawing/2014/main" id="{C8722DDC-8EEE-4A06-8DFE-B44871EAA2CF}"/>
+                <a16:creationId xmlns:a16="http://schemas.microsoft.com/office/drawing/2014/main" xmlns="" id="{C8722DDC-8EEE-4A06-8DFE-B44871EAA2CF}"/>
               </a:ext>
             </a:extLst>
           </p:cNvPr>
@@ -6274,7 +6282,7 @@
           <p:cNvPr id="5" name="Straight Connector 4">
             <a:extLst>
               <a:ext uri="{FF2B5EF4-FFF2-40B4-BE49-F238E27FC236}">
-                <a16:creationId xmlns:a16="http://schemas.microsoft.com/office/drawing/2014/main" id="{20AC4B09-ED72-42FC-9845-45FC1F4BC29D}"/>
+                <a16:creationId xmlns:a16="http://schemas.microsoft.com/office/drawing/2014/main" xmlns="" id="{20AC4B09-ED72-42FC-9845-45FC1F4BC29D}"/>
               </a:ext>
             </a:extLst>
           </p:cNvPr>
@@ -6345,7 +6353,7 @@
           <p:cNvPr id="8" name="Title 7">
             <a:extLst>
               <a:ext uri="{FF2B5EF4-FFF2-40B4-BE49-F238E27FC236}">
-                <a16:creationId xmlns:a16="http://schemas.microsoft.com/office/drawing/2014/main" id="{6A34AC25-F9D4-48D7-A664-C590D06BF559}"/>
+                <a16:creationId xmlns:a16="http://schemas.microsoft.com/office/drawing/2014/main" xmlns="" id="{6A34AC25-F9D4-48D7-A664-C590D06BF559}"/>
               </a:ext>
             </a:extLst>
           </p:cNvPr>
@@ -6373,7 +6381,7 @@
           <p:cNvPr id="10" name="Rectangle 3">
             <a:extLst>
               <a:ext uri="{FF2B5EF4-FFF2-40B4-BE49-F238E27FC236}">
-                <a16:creationId xmlns:a16="http://schemas.microsoft.com/office/drawing/2014/main" id="{FF9184A9-1B75-4F3B-B4FE-1B634A77DDFC}"/>
+                <a16:creationId xmlns:a16="http://schemas.microsoft.com/office/drawing/2014/main" xmlns="" id="{FF9184A9-1B75-4F3B-B4FE-1B634A77DDFC}"/>
               </a:ext>
             </a:extLst>
           </p:cNvPr>
@@ -6718,7 +6726,7 @@
           <p:cNvPr id="11" name="TextBox 10">
             <a:extLst>
               <a:ext uri="{FF2B5EF4-FFF2-40B4-BE49-F238E27FC236}">
-                <a16:creationId xmlns:a16="http://schemas.microsoft.com/office/drawing/2014/main" id="{F1F3DA2E-9599-4B03-A261-D34A77F831CE}"/>
+                <a16:creationId xmlns:a16="http://schemas.microsoft.com/office/drawing/2014/main" xmlns="" id="{F1F3DA2E-9599-4B03-A261-D34A77F831CE}"/>
               </a:ext>
             </a:extLst>
           </p:cNvPr>
@@ -6847,7 +6855,7 @@
           <p:cNvPr id="2" name="Title 1">
             <a:extLst>
               <a:ext uri="{FF2B5EF4-FFF2-40B4-BE49-F238E27FC236}">
-                <a16:creationId xmlns:a16="http://schemas.microsoft.com/office/drawing/2014/main" id="{7614332B-4F24-42F4-A704-A6F1183E9470}"/>
+                <a16:creationId xmlns:a16="http://schemas.microsoft.com/office/drawing/2014/main" xmlns="" id="{7614332B-4F24-42F4-A704-A6F1183E9470}"/>
               </a:ext>
             </a:extLst>
           </p:cNvPr>
@@ -6914,7 +6922,7 @@
           <p:cNvPr id="2" name="Title 1">
             <a:extLst>
               <a:ext uri="{FF2B5EF4-FFF2-40B4-BE49-F238E27FC236}">
-                <a16:creationId xmlns:a16="http://schemas.microsoft.com/office/drawing/2014/main" id="{4DA197EC-75CE-4967-B49A-620F6D94CA9D}"/>
+                <a16:creationId xmlns:a16="http://schemas.microsoft.com/office/drawing/2014/main" xmlns="" id="{4DA197EC-75CE-4967-B49A-620F6D94CA9D}"/>
               </a:ext>
             </a:extLst>
           </p:cNvPr>
@@ -6991,7 +6999,7 @@
           <p:cNvPr id="2" name="Title 1">
             <a:extLst>
               <a:ext uri="{FF2B5EF4-FFF2-40B4-BE49-F238E27FC236}">
-                <a16:creationId xmlns:a16="http://schemas.microsoft.com/office/drawing/2014/main" id="{4DA197EC-75CE-4967-B49A-620F6D94CA9D}"/>
+                <a16:creationId xmlns:a16="http://schemas.microsoft.com/office/drawing/2014/main" xmlns="" id="{4DA197EC-75CE-4967-B49A-620F6D94CA9D}"/>
               </a:ext>
             </a:extLst>
           </p:cNvPr>
@@ -7065,7 +7073,7 @@
           <p:cNvPr id="2" name="Title 1">
             <a:extLst>
               <a:ext uri="{FF2B5EF4-FFF2-40B4-BE49-F238E27FC236}">
-                <a16:creationId xmlns:a16="http://schemas.microsoft.com/office/drawing/2014/main" id="{749E0D1B-C9EF-4CB6-9922-ED9D4AC52C59}"/>
+                <a16:creationId xmlns:a16="http://schemas.microsoft.com/office/drawing/2014/main" xmlns="" id="{749E0D1B-C9EF-4CB6-9922-ED9D4AC52C59}"/>
               </a:ext>
             </a:extLst>
           </p:cNvPr>
@@ -7093,7 +7101,7 @@
           <p:cNvPr id="5" name="Content Placeholder 4">
             <a:extLst>
               <a:ext uri="{FF2B5EF4-FFF2-40B4-BE49-F238E27FC236}">
-                <a16:creationId xmlns:a16="http://schemas.microsoft.com/office/drawing/2014/main" id="{7E558183-391D-4056-BC02-A181C5440B05}"/>
+                <a16:creationId xmlns:a16="http://schemas.microsoft.com/office/drawing/2014/main" xmlns="" id="{7E558183-391D-4056-BC02-A181C5440B05}"/>
               </a:ext>
             </a:extLst>
           </p:cNvPr>
@@ -7183,7 +7191,7 @@
           <p:cNvPr id="2" name="Title 1">
             <a:extLst>
               <a:ext uri="{FF2B5EF4-FFF2-40B4-BE49-F238E27FC236}">
-                <a16:creationId xmlns:a16="http://schemas.microsoft.com/office/drawing/2014/main" id="{7614332B-4F24-42F4-A704-A6F1183E9470}"/>
+                <a16:creationId xmlns:a16="http://schemas.microsoft.com/office/drawing/2014/main" xmlns="" id="{7614332B-4F24-42F4-A704-A6F1183E9470}"/>
               </a:ext>
             </a:extLst>
           </p:cNvPr>
@@ -7241,7 +7249,7 @@
           <p:cNvPr id="2" name="Title 1">
             <a:extLst>
               <a:ext uri="{FF2B5EF4-FFF2-40B4-BE49-F238E27FC236}">
-                <a16:creationId xmlns:a16="http://schemas.microsoft.com/office/drawing/2014/main" id="{4DA197EC-75CE-4967-B49A-620F6D94CA9D}"/>
+                <a16:creationId xmlns:a16="http://schemas.microsoft.com/office/drawing/2014/main" xmlns="" id="{4DA197EC-75CE-4967-B49A-620F6D94CA9D}"/>
               </a:ext>
             </a:extLst>
           </p:cNvPr>
@@ -7396,7 +7404,7 @@
           <p:cNvPr id="2" name="Title 1">
             <a:extLst>
               <a:ext uri="{FF2B5EF4-FFF2-40B4-BE49-F238E27FC236}">
-                <a16:creationId xmlns:a16="http://schemas.microsoft.com/office/drawing/2014/main" id="{7614332B-4F24-42F4-A704-A6F1183E9470}"/>
+                <a16:creationId xmlns:a16="http://schemas.microsoft.com/office/drawing/2014/main" xmlns="" id="{7614332B-4F24-42F4-A704-A6F1183E9470}"/>
               </a:ext>
             </a:extLst>
           </p:cNvPr>
@@ -7461,7 +7469,7 @@
           <p:cNvPr id="2" name="Title 1">
             <a:extLst>
               <a:ext uri="{FF2B5EF4-FFF2-40B4-BE49-F238E27FC236}">
-                <a16:creationId xmlns:a16="http://schemas.microsoft.com/office/drawing/2014/main" id="{749E0D1B-C9EF-4CB6-9922-ED9D4AC52C59}"/>
+                <a16:creationId xmlns:a16="http://schemas.microsoft.com/office/drawing/2014/main" xmlns="" id="{749E0D1B-C9EF-4CB6-9922-ED9D4AC52C59}"/>
               </a:ext>
             </a:extLst>
           </p:cNvPr>
@@ -7490,7 +7498,7 @@
           <p:cNvPr id="5" name="Content Placeholder 4">
             <a:extLst>
               <a:ext uri="{FF2B5EF4-FFF2-40B4-BE49-F238E27FC236}">
-                <a16:creationId xmlns:a16="http://schemas.microsoft.com/office/drawing/2014/main" id="{7E558183-391D-4056-BC02-A181C5440B05}"/>
+                <a16:creationId xmlns:a16="http://schemas.microsoft.com/office/drawing/2014/main" xmlns="" id="{7E558183-391D-4056-BC02-A181C5440B05}"/>
               </a:ext>
             </a:extLst>
           </p:cNvPr>
@@ -7620,7 +7628,7 @@
           <p:cNvPr id="8" name="Title 7">
             <a:extLst>
               <a:ext uri="{FF2B5EF4-FFF2-40B4-BE49-F238E27FC236}">
-                <a16:creationId xmlns:a16="http://schemas.microsoft.com/office/drawing/2014/main" id="{6A34AC25-F9D4-48D7-A664-C590D06BF559}"/>
+                <a16:creationId xmlns:a16="http://schemas.microsoft.com/office/drawing/2014/main" xmlns="" id="{6A34AC25-F9D4-48D7-A664-C590D06BF559}"/>
               </a:ext>
             </a:extLst>
           </p:cNvPr>
@@ -7656,7 +7664,7 @@
           <p:cNvPr id="10" name="Rectangle 3">
             <a:extLst>
               <a:ext uri="{FF2B5EF4-FFF2-40B4-BE49-F238E27FC236}">
-                <a16:creationId xmlns:a16="http://schemas.microsoft.com/office/drawing/2014/main" id="{FF9184A9-1B75-4F3B-B4FE-1B634A77DDFC}"/>
+                <a16:creationId xmlns:a16="http://schemas.microsoft.com/office/drawing/2014/main" xmlns="" id="{FF9184A9-1B75-4F3B-B4FE-1B634A77DDFC}"/>
               </a:ext>
             </a:extLst>
           </p:cNvPr>
@@ -8001,7 +8009,7 @@
           <p:cNvPr id="11" name="TextBox 10">
             <a:extLst>
               <a:ext uri="{FF2B5EF4-FFF2-40B4-BE49-F238E27FC236}">
-                <a16:creationId xmlns:a16="http://schemas.microsoft.com/office/drawing/2014/main" id="{F1F3DA2E-9599-4B03-A261-D34A77F831CE}"/>
+                <a16:creationId xmlns:a16="http://schemas.microsoft.com/office/drawing/2014/main" xmlns="" id="{F1F3DA2E-9599-4B03-A261-D34A77F831CE}"/>
               </a:ext>
             </a:extLst>
           </p:cNvPr>
@@ -8153,7 +8161,7 @@
           <p:cNvPr id="8" name="Title 7">
             <a:extLst>
               <a:ext uri="{FF2B5EF4-FFF2-40B4-BE49-F238E27FC236}">
-                <a16:creationId xmlns:a16="http://schemas.microsoft.com/office/drawing/2014/main" id="{6A34AC25-F9D4-48D7-A664-C590D06BF559}"/>
+                <a16:creationId xmlns:a16="http://schemas.microsoft.com/office/drawing/2014/main" xmlns="" id="{6A34AC25-F9D4-48D7-A664-C590D06BF559}"/>
               </a:ext>
             </a:extLst>
           </p:cNvPr>
@@ -8197,7 +8205,7 @@
           <p:cNvPr id="10" name="Rectangle 3">
             <a:extLst>
               <a:ext uri="{FF2B5EF4-FFF2-40B4-BE49-F238E27FC236}">
-                <a16:creationId xmlns:a16="http://schemas.microsoft.com/office/drawing/2014/main" id="{FF9184A9-1B75-4F3B-B4FE-1B634A77DDFC}"/>
+                <a16:creationId xmlns:a16="http://schemas.microsoft.com/office/drawing/2014/main" xmlns="" id="{FF9184A9-1B75-4F3B-B4FE-1B634A77DDFC}"/>
               </a:ext>
             </a:extLst>
           </p:cNvPr>
@@ -8542,7 +8550,7 @@
           <p:cNvPr id="11" name="TextBox 10">
             <a:extLst>
               <a:ext uri="{FF2B5EF4-FFF2-40B4-BE49-F238E27FC236}">
-                <a16:creationId xmlns:a16="http://schemas.microsoft.com/office/drawing/2014/main" id="{F1F3DA2E-9599-4B03-A261-D34A77F831CE}"/>
+                <a16:creationId xmlns:a16="http://schemas.microsoft.com/office/drawing/2014/main" xmlns="" id="{F1F3DA2E-9599-4B03-A261-D34A77F831CE}"/>
               </a:ext>
             </a:extLst>
           </p:cNvPr>
@@ -8727,7 +8735,7 @@
           <p:cNvPr id="8" name="Title 7">
             <a:extLst>
               <a:ext uri="{FF2B5EF4-FFF2-40B4-BE49-F238E27FC236}">
-                <a16:creationId xmlns:a16="http://schemas.microsoft.com/office/drawing/2014/main" id="{6A34AC25-F9D4-48D7-A664-C590D06BF559}"/>
+                <a16:creationId xmlns:a16="http://schemas.microsoft.com/office/drawing/2014/main" xmlns="" id="{6A34AC25-F9D4-48D7-A664-C590D06BF559}"/>
               </a:ext>
             </a:extLst>
           </p:cNvPr>
@@ -8755,7 +8763,7 @@
           <p:cNvPr id="10" name="Rectangle 3">
             <a:extLst>
               <a:ext uri="{FF2B5EF4-FFF2-40B4-BE49-F238E27FC236}">
-                <a16:creationId xmlns:a16="http://schemas.microsoft.com/office/drawing/2014/main" id="{FF9184A9-1B75-4F3B-B4FE-1B634A77DDFC}"/>
+                <a16:creationId xmlns:a16="http://schemas.microsoft.com/office/drawing/2014/main" xmlns="" id="{FF9184A9-1B75-4F3B-B4FE-1B634A77DDFC}"/>
               </a:ext>
             </a:extLst>
           </p:cNvPr>
@@ -9100,7 +9108,7 @@
           <p:cNvPr id="11" name="TextBox 10">
             <a:extLst>
               <a:ext uri="{FF2B5EF4-FFF2-40B4-BE49-F238E27FC236}">
-                <a16:creationId xmlns:a16="http://schemas.microsoft.com/office/drawing/2014/main" id="{F1F3DA2E-9599-4B03-A261-D34A77F831CE}"/>
+                <a16:creationId xmlns:a16="http://schemas.microsoft.com/office/drawing/2014/main" xmlns="" id="{F1F3DA2E-9599-4B03-A261-D34A77F831CE}"/>
               </a:ext>
             </a:extLst>
           </p:cNvPr>
@@ -9449,7 +9457,7 @@
   <a:extraClrSchemeLst/>
   <a:extLst>
     <a:ext uri="{05A4C25C-085E-4340-85A3-A5531E510DB2}">
-      <thm15:themeFamily xmlns:thm15="http://schemas.microsoft.com/office/thememl/2012/main" name="Original 5_01_Win32" id="{77344C68-A3F1-476B-8680-97D7F429B46B}" vid="{89780073-58E8-4DFF-BF29-BA99F8052841}"/>
+      <thm15:themeFamily xmlns:thm15="http://schemas.microsoft.com/office/thememl/2012/main" xmlns="" name="Original 5_01_Win32" id="{77344C68-A3F1-476B-8680-97D7F429B46B}" vid="{89780073-58E8-4DFF-BF29-BA99F8052841}"/>
     </a:ext>
   </a:extLst>
 </a:theme>
@@ -9744,31 +9752,13 @@
   <a:extraClrSchemeLst/>
   <a:extLst>
     <a:ext uri="{05A4C25C-085E-4340-85A3-A5531E510DB2}">
-      <thm15:themeFamily xmlns:thm15="http://schemas.microsoft.com/office/thememl/2012/main" name="Office Theme" id="{62F939B6-93AF-4DB8-9C6B-D6C7DFDC589F}" vid="{4A3C46E8-61CC-4603-A589-7422A47A8E4A}"/>
+      <thm15:themeFamily xmlns:thm15="http://schemas.microsoft.com/office/thememl/2012/main" xmlns="" name="Office Theme" id="{62F939B6-93AF-4DB8-9C6B-D6C7DFDC589F}" vid="{4A3C46E8-61CC-4603-A589-7422A47A8E4A}"/>
     </a:ext>
   </a:extLst>
 </a:theme>
 </file>
 
 <file path=customXml/item1.xml><?xml version="1.0" encoding="utf-8"?>
-<p:properties xmlns:p="http://schemas.microsoft.com/office/2006/metadata/properties" xmlns:xsi="http://www.w3.org/2001/XMLSchema-instance" xmlns:pc="http://schemas.microsoft.com/office/infopath/2007/PartnerControls">
-  <documentManagement>
-    <Status xmlns="71af3243-3dd4-4a8d-8c0d-dd76da1f02a5">Not started</Status>
-    <MediaServiceKeyPoints xmlns="71af3243-3dd4-4a8d-8c0d-dd76da1f02a5" xsi:nil="true"/>
-  </documentManagement>
-</p:properties>
-</file>
-
-<file path=customXml/item2.xml><?xml version="1.0" encoding="utf-8"?>
-<?mso-contentType ?>
-<FormTemplates xmlns="http://schemas.microsoft.com/sharepoint/v3/contenttype/forms">
-  <Display>DocumentLibraryForm</Display>
-  <Edit>DocumentLibraryForm</Edit>
-  <New>DocumentLibraryForm</New>
-</FormTemplates>
-</file>
-
-<file path=customXml/item3.xml><?xml version="1.0" encoding="utf-8"?>
 <ct:contentTypeSchema xmlns:ct="http://schemas.microsoft.com/office/2006/metadata/contentType" xmlns:ma="http://schemas.microsoft.com/office/2006/metadata/properties/metaAttributes" ct:_="" ma:_="" ma:contentTypeName="Document" ma:contentTypeID="0x01010079F111ED35F8CC479449609E8A0923A6" ma:contentTypeVersion="12" ma:contentTypeDescription="Create a new document." ma:contentTypeScope="" ma:versionID="a410dd7f93c95333ffa1b60ed6adedd1">
   <xsd:schema xmlns:xsd="http://www.w3.org/2001/XMLSchema" xmlns:xs="http://www.w3.org/2001/XMLSchema" xmlns:p="http://schemas.microsoft.com/office/2006/metadata/properties" xmlns:ns2="71af3243-3dd4-4a8d-8c0d-dd76da1f02a5" xmlns:ns3="16c05727-aa75-4e4a-9b5f-8a80a1165891" targetNamespace="http://schemas.microsoft.com/office/2006/metadata/properties" ma:root="true" ma:fieldsID="a936d9baba76aa3866493feff160faab" ns2:_="" ns3:_="">
     <xsd:import namespace="71af3243-3dd4-4a8d-8c0d-dd76da1f02a5"/>
@@ -9989,32 +9979,25 @@
 </ct:contentTypeSchema>
 </file>
 
-<file path=customXml/itemProps1.xml><?xml version="1.0" encoding="utf-8"?>
-<ds:datastoreItem xmlns:ds="http://schemas.openxmlformats.org/officeDocument/2006/customXml" ds:itemID="{137651BA-F45C-4845-9AB3-E0A65B39F5E1}">
-  <ds:schemaRefs>
-    <ds:schemaRef ds:uri="http://schemas.microsoft.com/office/2006/documentManagement/types"/>
-    <ds:schemaRef ds:uri="http://schemas.microsoft.com/office/2006/metadata/properties"/>
-    <ds:schemaRef ds:uri="http://purl.org/dc/terms/"/>
-    <ds:schemaRef ds:uri="http://schemas.openxmlformats.org/package/2006/metadata/core-properties"/>
-    <ds:schemaRef ds:uri="16c05727-aa75-4e4a-9b5f-8a80a1165891"/>
-    <ds:schemaRef ds:uri="http://purl.org/dc/dcmitype/"/>
-    <ds:schemaRef ds:uri="http://schemas.microsoft.com/office/infopath/2007/PartnerControls"/>
-    <ds:schemaRef ds:uri="71af3243-3dd4-4a8d-8c0d-dd76da1f02a5"/>
-    <ds:schemaRef ds:uri="http://www.w3.org/XML/1998/namespace"/>
-    <ds:schemaRef ds:uri="http://purl.org/dc/elements/1.1/"/>
-  </ds:schemaRefs>
-</ds:datastoreItem>
+<file path=customXml/item2.xml><?xml version="1.0" encoding="utf-8"?>
+<?mso-contentType ?>
+<FormTemplates xmlns="http://schemas.microsoft.com/sharepoint/v3/contenttype/forms">
+  <Display>DocumentLibraryForm</Display>
+  <Edit>DocumentLibraryForm</Edit>
+  <New>DocumentLibraryForm</New>
+</FormTemplates>
 </file>
 
-<file path=customXml/itemProps2.xml><?xml version="1.0" encoding="utf-8"?>
-<ds:datastoreItem xmlns:ds="http://schemas.openxmlformats.org/officeDocument/2006/customXml" ds:itemID="{CDB58277-F8DF-46FF-84EC-EF41B835E69F}">
-  <ds:schemaRefs>
-    <ds:schemaRef ds:uri="http://schemas.microsoft.com/sharepoint/v3/contenttype/forms"/>
-  </ds:schemaRefs>
-</ds:datastoreItem>
+<file path=customXml/item3.xml><?xml version="1.0" encoding="utf-8"?>
+<p:properties xmlns:p="http://schemas.microsoft.com/office/2006/metadata/properties" xmlns:xsi="http://www.w3.org/2001/XMLSchema-instance" xmlns:pc="http://schemas.microsoft.com/office/infopath/2007/PartnerControls">
+  <documentManagement>
+    <Status xmlns="71af3243-3dd4-4a8d-8c0d-dd76da1f02a5">Not started</Status>
+    <MediaServiceKeyPoints xmlns="71af3243-3dd4-4a8d-8c0d-dd76da1f02a5" xsi:nil="true"/>
+  </documentManagement>
+</p:properties>
 </file>
 
-<file path=customXml/itemProps3.xml><?xml version="1.0" encoding="utf-8"?>
+<file path=customXml/itemProps1.xml><?xml version="1.0" encoding="utf-8"?>
 <ds:datastoreItem xmlns:ds="http://schemas.openxmlformats.org/officeDocument/2006/customXml" ds:itemID="{2D276E62-80A3-44DD-9BCC-97ED2B99B57F}">
   <ds:schemaRefs>
     <ds:schemaRef ds:uri="http://schemas.microsoft.com/office/2006/metadata/contentType"/>
@@ -10031,4 +10014,29 @@
     <ds:schemaRef ds:uri="http://schemas.microsoft.com/internal/obd"/>
   </ds:schemaRefs>
 </ds:datastoreItem>
+</file>
+
+<file path=customXml/itemProps2.xml><?xml version="1.0" encoding="utf-8"?>
+<ds:datastoreItem xmlns:ds="http://schemas.openxmlformats.org/officeDocument/2006/customXml" ds:itemID="{CDB58277-F8DF-46FF-84EC-EF41B835E69F}">
+  <ds:schemaRefs>
+    <ds:schemaRef ds:uri="http://schemas.microsoft.com/sharepoint/v3/contenttype/forms"/>
+  </ds:schemaRefs>
+</ds:datastoreItem>
+</file>
+
+<file path=customXml/itemProps3.xml><?xml version="1.0" encoding="utf-8"?>
+<ds:datastoreItem xmlns:ds="http://schemas.openxmlformats.org/officeDocument/2006/customXml" ds:itemID="{137651BA-F45C-4845-9AB3-E0A65B39F5E1}">
+  <ds:schemaRefs>
+    <ds:schemaRef ds:uri="http://schemas.microsoft.com/office/2006/documentManagement/types"/>
+    <ds:schemaRef ds:uri="http://schemas.microsoft.com/office/2006/metadata/properties"/>
+    <ds:schemaRef ds:uri="http://purl.org/dc/terms/"/>
+    <ds:schemaRef ds:uri="http://schemas.openxmlformats.org/package/2006/metadata/core-properties"/>
+    <ds:schemaRef ds:uri="16c05727-aa75-4e4a-9b5f-8a80a1165891"/>
+    <ds:schemaRef ds:uri="http://purl.org/dc/dcmitype/"/>
+    <ds:schemaRef ds:uri="http://schemas.microsoft.com/office/infopath/2007/PartnerControls"/>
+    <ds:schemaRef ds:uri="71af3243-3dd4-4a8d-8c0d-dd76da1f02a5"/>
+    <ds:schemaRef ds:uri="http://www.w3.org/XML/1998/namespace"/>
+    <ds:schemaRef ds:uri="http://purl.org/dc/elements/1.1/"/>
+  </ds:schemaRefs>
+</ds:datastoreItem>
 </file>
--- a/Slides/Slides-03-Intro_to_Valtools/Slides-03-Intro-Valtools.pptx
+++ b/Slides/Slides-03-Intro_to_Valtools/Slides-03-Intro-Valtools.pptx
@@ -15,8 +15,8 @@
     <p:sldId id="263" r:id="rId9"/>
     <p:sldId id="365" r:id="rId10"/>
     <p:sldId id="368" r:id="rId11"/>
-    <p:sldId id="381" r:id="rId12"/>
-    <p:sldId id="382" r:id="rId13"/>
+    <p:sldId id="384" r:id="rId12"/>
+    <p:sldId id="381" r:id="rId13"/>
     <p:sldId id="383" r:id="rId14"/>
     <p:sldId id="364" r:id="rId15"/>
     <p:sldId id="366" r:id="rId16"/>
@@ -121,10 +121,202 @@
   </p:defaultTextStyle>
   <p:extLst>
     <p:ext uri="{EFAFB233-063F-42B5-8137-9DF3F51BA10A}">
-      <p15:sldGuideLst xmlns:p15="http://schemas.microsoft.com/office/powerpoint/2012/main" xmlns=""/>
+      <p15:sldGuideLst xmlns:p15="http://schemas.microsoft.com/office/powerpoint/2012/main">
+        <p15:guide id="1" orient="horz" pos="2160">
+          <p15:clr>
+            <a:srgbClr val="A4A3A4"/>
+          </p15:clr>
+        </p15:guide>
+        <p15:guide id="2" pos="3840">
+          <p15:clr>
+            <a:srgbClr val="A4A3A4"/>
+          </p15:clr>
+        </p15:guide>
+      </p15:sldGuideLst>
     </p:ext>
   </p:extLst>
 </p:presentation>
+</file>
+
+<file path=ppt/revisionInfo.xml><?xml version="1.0" encoding="utf-8"?>
+<p1510:revInfo xmlns:a="http://schemas.openxmlformats.org/drawingml/2006/main" xmlns:r="http://schemas.openxmlformats.org/officeDocument/2006/relationships" xmlns:p1510="http://schemas.microsoft.com/office/powerpoint/2015/10/main">
+  <p1510:revLst>
+    <p1510:client id="{20CB8E69-F27B-4833-B1C9-D7B5FCFA4A4B}" v="8" dt="2021-10-26T17:50:30.644"/>
+  </p1510:revLst>
+</p1510:revInfo>
+</file>
+
+<file path=ppt/changesInfos/changesInfo1.xml><?xml version="1.0" encoding="utf-8"?>
+<pc:chgInfo xmlns:a="http://schemas.openxmlformats.org/drawingml/2006/main" xmlns:r="http://schemas.openxmlformats.org/officeDocument/2006/relationships" xmlns:ac="http://schemas.microsoft.com/office/drawing/2013/main/command" xmlns:pc="http://schemas.microsoft.com/office/powerpoint/2013/main/command">
+  <pc:docChgLst>
+    <pc:chgData name="Ellis Hughes" userId="70958ad1-f5a5-48f5-9815-bf834be6566e" providerId="ADAL" clId="{20CB8E69-F27B-4833-B1C9-D7B5FCFA4A4B}"/>
+    <pc:docChg chg="undo custSel addSld delSld modSld">
+      <pc:chgData name="Ellis Hughes" userId="70958ad1-f5a5-48f5-9815-bf834be6566e" providerId="ADAL" clId="{20CB8E69-F27B-4833-B1C9-D7B5FCFA4A4B}" dt="2021-10-26T20:55:49.673" v="787" actId="20577"/>
+      <pc:docMkLst>
+        <pc:docMk/>
+      </pc:docMkLst>
+      <pc:sldChg chg="modSp mod">
+        <pc:chgData name="Ellis Hughes" userId="70958ad1-f5a5-48f5-9815-bf834be6566e" providerId="ADAL" clId="{20CB8E69-F27B-4833-B1C9-D7B5FCFA4A4B}" dt="2021-10-26T20:55:49.673" v="787" actId="20577"/>
+        <pc:sldMkLst>
+          <pc:docMk/>
+          <pc:sldMk cId="1601236187" sldId="262"/>
+        </pc:sldMkLst>
+        <pc:spChg chg="mod">
+          <ac:chgData name="Ellis Hughes" userId="70958ad1-f5a5-48f5-9815-bf834be6566e" providerId="ADAL" clId="{20CB8E69-F27B-4833-B1C9-D7B5FCFA4A4B}" dt="2021-10-26T20:55:49.673" v="787" actId="20577"/>
+          <ac:spMkLst>
+            <pc:docMk/>
+            <pc:sldMk cId="1601236187" sldId="262"/>
+            <ac:spMk id="5" creationId="{7E558183-391D-4056-BC02-A181C5440B05}"/>
+          </ac:spMkLst>
+        </pc:spChg>
+      </pc:sldChg>
+      <pc:sldChg chg="modNotesTx">
+        <pc:chgData name="Ellis Hughes" userId="70958ad1-f5a5-48f5-9815-bf834be6566e" providerId="ADAL" clId="{20CB8E69-F27B-4833-B1C9-D7B5FCFA4A4B}" dt="2021-10-26T17:51:31.481" v="774" actId="20577"/>
+        <pc:sldMkLst>
+          <pc:docMk/>
+          <pc:sldMk cId="1413565243" sldId="352"/>
+        </pc:sldMkLst>
+      </pc:sldChg>
+      <pc:sldChg chg="modSp mod">
+        <pc:chgData name="Ellis Hughes" userId="70958ad1-f5a5-48f5-9815-bf834be6566e" providerId="ADAL" clId="{20CB8E69-F27B-4833-B1C9-D7B5FCFA4A4B}" dt="2021-10-26T17:41:49.591" v="3" actId="20577"/>
+        <pc:sldMkLst>
+          <pc:docMk/>
+          <pc:sldMk cId="1517771894" sldId="365"/>
+        </pc:sldMkLst>
+        <pc:spChg chg="mod">
+          <ac:chgData name="Ellis Hughes" userId="70958ad1-f5a5-48f5-9815-bf834be6566e" providerId="ADAL" clId="{20CB8E69-F27B-4833-B1C9-D7B5FCFA4A4B}" dt="2021-10-26T17:41:49.591" v="3" actId="20577"/>
+          <ac:spMkLst>
+            <pc:docMk/>
+            <pc:sldMk cId="1517771894" sldId="365"/>
+            <ac:spMk id="5" creationId="{7E558183-391D-4056-BC02-A181C5440B05}"/>
+          </ac:spMkLst>
+        </pc:spChg>
+      </pc:sldChg>
+      <pc:sldChg chg="addSp delSp modSp mod">
+        <pc:chgData name="Ellis Hughes" userId="70958ad1-f5a5-48f5-9815-bf834be6566e" providerId="ADAL" clId="{20CB8E69-F27B-4833-B1C9-D7B5FCFA4A4B}" dt="2021-10-26T17:50:17.004" v="763" actId="478"/>
+        <pc:sldMkLst>
+          <pc:docMk/>
+          <pc:sldMk cId="1736176902" sldId="368"/>
+        </pc:sldMkLst>
+        <pc:spChg chg="add mod">
+          <ac:chgData name="Ellis Hughes" userId="70958ad1-f5a5-48f5-9815-bf834be6566e" providerId="ADAL" clId="{20CB8E69-F27B-4833-B1C9-D7B5FCFA4A4B}" dt="2021-10-26T17:50:15.160" v="762" actId="20577"/>
+          <ac:spMkLst>
+            <pc:docMk/>
+            <pc:sldMk cId="1736176902" sldId="368"/>
+            <ac:spMk id="5" creationId="{C654612B-DEE6-4282-89E3-6342ACA4252A}"/>
+          </ac:spMkLst>
+        </pc:spChg>
+        <pc:spChg chg="mod">
+          <ac:chgData name="Ellis Hughes" userId="70958ad1-f5a5-48f5-9815-bf834be6566e" providerId="ADAL" clId="{20CB8E69-F27B-4833-B1C9-D7B5FCFA4A4B}" dt="2021-10-26T17:45:15.199" v="245" actId="20577"/>
+          <ac:spMkLst>
+            <pc:docMk/>
+            <pc:sldMk cId="1736176902" sldId="368"/>
+            <ac:spMk id="8" creationId="{6A34AC25-F9D4-48D7-A664-C590D06BF559}"/>
+          </ac:spMkLst>
+        </pc:spChg>
+        <pc:spChg chg="del mod">
+          <ac:chgData name="Ellis Hughes" userId="70958ad1-f5a5-48f5-9815-bf834be6566e" providerId="ADAL" clId="{20CB8E69-F27B-4833-B1C9-D7B5FCFA4A4B}" dt="2021-10-26T17:50:17.004" v="763" actId="478"/>
+          <ac:spMkLst>
+            <pc:docMk/>
+            <pc:sldMk cId="1736176902" sldId="368"/>
+            <ac:spMk id="11" creationId="{F1F3DA2E-9599-4B03-A261-D34A77F831CE}"/>
+          </ac:spMkLst>
+        </pc:spChg>
+      </pc:sldChg>
+      <pc:sldChg chg="addSp delSp modSp mod">
+        <pc:chgData name="Ellis Hughes" userId="70958ad1-f5a5-48f5-9815-bf834be6566e" providerId="ADAL" clId="{20CB8E69-F27B-4833-B1C9-D7B5FCFA4A4B}" dt="2021-10-26T17:50:47.560" v="773" actId="20577"/>
+        <pc:sldMkLst>
+          <pc:docMk/>
+          <pc:sldMk cId="156219768" sldId="381"/>
+        </pc:sldMkLst>
+        <pc:spChg chg="add mod">
+          <ac:chgData name="Ellis Hughes" userId="70958ad1-f5a5-48f5-9815-bf834be6566e" providerId="ADAL" clId="{20CB8E69-F27B-4833-B1C9-D7B5FCFA4A4B}" dt="2021-10-26T17:50:47.560" v="773" actId="20577"/>
+          <ac:spMkLst>
+            <pc:docMk/>
+            <pc:sldMk cId="156219768" sldId="381"/>
+            <ac:spMk id="2" creationId="{2369E607-14C4-4FD3-AEFD-D4B882974929}"/>
+          </ac:spMkLst>
+        </pc:spChg>
+        <pc:spChg chg="mod">
+          <ac:chgData name="Ellis Hughes" userId="70958ad1-f5a5-48f5-9815-bf834be6566e" providerId="ADAL" clId="{20CB8E69-F27B-4833-B1C9-D7B5FCFA4A4B}" dt="2021-10-26T17:47:54.195" v="458" actId="20577"/>
+          <ac:spMkLst>
+            <pc:docMk/>
+            <pc:sldMk cId="156219768" sldId="381"/>
+            <ac:spMk id="8" creationId="{6A34AC25-F9D4-48D7-A664-C590D06BF559}"/>
+          </ac:spMkLst>
+        </pc:spChg>
+        <pc:spChg chg="del mod">
+          <ac:chgData name="Ellis Hughes" userId="70958ad1-f5a5-48f5-9815-bf834be6566e" providerId="ADAL" clId="{20CB8E69-F27B-4833-B1C9-D7B5FCFA4A4B}" dt="2021-10-26T17:47:40.933" v="443" actId="478"/>
+          <ac:spMkLst>
+            <pc:docMk/>
+            <pc:sldMk cId="156219768" sldId="381"/>
+            <ac:spMk id="11" creationId="{F1F3DA2E-9599-4B03-A261-D34A77F831CE}"/>
+          </ac:spMkLst>
+        </pc:spChg>
+      </pc:sldChg>
+      <pc:sldChg chg="delSp modSp del mod">
+        <pc:chgData name="Ellis Hughes" userId="70958ad1-f5a5-48f5-9815-bf834be6566e" providerId="ADAL" clId="{20CB8E69-F27B-4833-B1C9-D7B5FCFA4A4B}" dt="2021-10-26T17:49:04.476" v="585" actId="47"/>
+        <pc:sldMkLst>
+          <pc:docMk/>
+          <pc:sldMk cId="595098644" sldId="382"/>
+        </pc:sldMkLst>
+        <pc:spChg chg="del mod">
+          <ac:chgData name="Ellis Hughes" userId="70958ad1-f5a5-48f5-9815-bf834be6566e" providerId="ADAL" clId="{20CB8E69-F27B-4833-B1C9-D7B5FCFA4A4B}" dt="2021-10-26T17:48:26.235" v="486"/>
+          <ac:spMkLst>
+            <pc:docMk/>
+            <pc:sldMk cId="595098644" sldId="382"/>
+            <ac:spMk id="11" creationId="{F1F3DA2E-9599-4B03-A261-D34A77F831CE}"/>
+          </ac:spMkLst>
+        </pc:spChg>
+      </pc:sldChg>
+      <pc:sldChg chg="modSp mod">
+        <pc:chgData name="Ellis Hughes" userId="70958ad1-f5a5-48f5-9815-bf834be6566e" providerId="ADAL" clId="{20CB8E69-F27B-4833-B1C9-D7B5FCFA4A4B}" dt="2021-10-26T17:50:01.098" v="758" actId="20577"/>
+        <pc:sldMkLst>
+          <pc:docMk/>
+          <pc:sldMk cId="3832666345" sldId="383"/>
+        </pc:sldMkLst>
+        <pc:spChg chg="mod">
+          <ac:chgData name="Ellis Hughes" userId="70958ad1-f5a5-48f5-9815-bf834be6566e" providerId="ADAL" clId="{20CB8E69-F27B-4833-B1C9-D7B5FCFA4A4B}" dt="2021-10-26T17:49:14.804" v="605" actId="20577"/>
+          <ac:spMkLst>
+            <pc:docMk/>
+            <pc:sldMk cId="3832666345" sldId="383"/>
+            <ac:spMk id="8" creationId="{6A34AC25-F9D4-48D7-A664-C590D06BF559}"/>
+          </ac:spMkLst>
+        </pc:spChg>
+        <pc:spChg chg="mod">
+          <ac:chgData name="Ellis Hughes" userId="70958ad1-f5a5-48f5-9815-bf834be6566e" providerId="ADAL" clId="{20CB8E69-F27B-4833-B1C9-D7B5FCFA4A4B}" dt="2021-10-26T17:50:01.098" v="758" actId="20577"/>
+          <ac:spMkLst>
+            <pc:docMk/>
+            <pc:sldMk cId="3832666345" sldId="383"/>
+            <ac:spMk id="11" creationId="{F1F3DA2E-9599-4B03-A261-D34A77F831CE}"/>
+          </ac:spMkLst>
+        </pc:spChg>
+      </pc:sldChg>
+      <pc:sldChg chg="delSp add mod">
+        <pc:chgData name="Ellis Hughes" userId="70958ad1-f5a5-48f5-9815-bf834be6566e" providerId="ADAL" clId="{20CB8E69-F27B-4833-B1C9-D7B5FCFA4A4B}" dt="2021-10-26T17:50:20.785" v="764" actId="478"/>
+        <pc:sldMkLst>
+          <pc:docMk/>
+          <pc:sldMk cId="2268572771" sldId="384"/>
+        </pc:sldMkLst>
+        <pc:spChg chg="del">
+          <ac:chgData name="Ellis Hughes" userId="70958ad1-f5a5-48f5-9815-bf834be6566e" providerId="ADAL" clId="{20CB8E69-F27B-4833-B1C9-D7B5FCFA4A4B}" dt="2021-10-26T17:50:20.785" v="764" actId="478"/>
+          <ac:spMkLst>
+            <pc:docMk/>
+            <pc:sldMk cId="2268572771" sldId="384"/>
+            <ac:spMk id="11" creationId="{F1F3DA2E-9599-4B03-A261-D34A77F831CE}"/>
+          </ac:spMkLst>
+        </pc:spChg>
+      </pc:sldChg>
+      <pc:sldChg chg="add del">
+        <pc:chgData name="Ellis Hughes" userId="70958ad1-f5a5-48f5-9815-bf834be6566e" providerId="ADAL" clId="{20CB8E69-F27B-4833-B1C9-D7B5FCFA4A4B}" dt="2021-10-26T17:50:30.613" v="766"/>
+        <pc:sldMkLst>
+          <pc:docMk/>
+          <pc:sldMk cId="1922111434" sldId="385"/>
+        </pc:sldMkLst>
+      </pc:sldChg>
+    </pc:docChg>
+  </pc:docChgLst>
+</pc:chgInfo>
 </file>
 
 <file path=ppt/notesMasters/notesMaster1.xml><?xml version="1.0" encoding="utf-8"?>
@@ -209,7 +401,7 @@
           <a:p>
             <a:fld id="{AE1375EF-7AC2-40F0-8984-3657FAAC21B8}" type="datetimeFigureOut">
               <a:rPr lang="en-US" smtClean="0"/>
-              <a:t>9/12/2021</a:t>
+              <a:t>10/26/2021</a:t>
             </a:fld>
             <a:endParaRPr lang="en-US"/>
           </a:p>
@@ -1389,7 +1581,7 @@
             </a:pPr>
             <a:r>
               <a:rPr lang="en-US" dirty="0"/>
-              <a:t>On version 0.3.0 – so check with </a:t>
+              <a:t>On version 0.4.0 – so check with </a:t>
             </a:r>
             <a:r>
               <a:rPr lang="en-US" dirty="0" err="1"/>
@@ -1806,7 +1998,81 @@
             </a:pPr>
             <a:r>
               <a:rPr lang="en-US" dirty="0"/>
-              <a:t>Scrapes and creates data for validation report</a:t>
+              <a:t>Similar in concept to the </a:t>
+            </a:r>
+            <a:r>
+              <a:rPr lang="en-US" dirty="0" err="1"/>
+              <a:t>usethis</a:t>
+            </a:r>
+            <a:r>
+              <a:rPr lang="en-US" dirty="0"/>
+              <a:t>::use_* family</a:t>
+            </a:r>
+          </a:p>
+          <a:p>
+            <a:pPr marL="0" marR="0" lvl="0" indent="0" algn="l" defTabSz="914400" rtl="0" eaLnBrk="1" fontAlgn="auto" latinLnBrk="0" hangingPunct="1">
+              <a:lnSpc>
+                <a:spcPct val="100000"/>
+              </a:lnSpc>
+              <a:spcBef>
+                <a:spcPts val="0"/>
+              </a:spcBef>
+              <a:spcAft>
+                <a:spcPts val="0"/>
+              </a:spcAft>
+              <a:buClrTx/>
+              <a:buSzTx/>
+              <a:buFontTx/>
+              <a:buNone/>
+              <a:tabLst/>
+              <a:defRPr/>
+            </a:pPr>
+            <a:endParaRPr lang="en-US" dirty="0"/>
+          </a:p>
+          <a:p>
+            <a:pPr marL="171450" marR="0" lvl="0" indent="-171450" algn="l" defTabSz="914400" rtl="0" eaLnBrk="1" fontAlgn="auto" latinLnBrk="0" hangingPunct="1">
+              <a:lnSpc>
+                <a:spcPct val="100000"/>
+              </a:lnSpc>
+              <a:spcBef>
+                <a:spcPts val="0"/>
+              </a:spcBef>
+              <a:spcAft>
+                <a:spcPts val="0"/>
+              </a:spcAft>
+              <a:buClrTx/>
+              <a:buSzTx/>
+              <a:buFontTx/>
+              <a:buChar char="-"/>
+              <a:tabLst/>
+              <a:defRPr/>
+            </a:pPr>
+            <a:r>
+              <a:rPr lang="en-US" dirty="0"/>
+              <a:t>Each does a specific task</a:t>
+            </a:r>
+          </a:p>
+          <a:p>
+            <a:pPr marL="171450" marR="0" lvl="0" indent="-171450" algn="l" defTabSz="914400" rtl="0" eaLnBrk="1" fontAlgn="auto" latinLnBrk="0" hangingPunct="1">
+              <a:lnSpc>
+                <a:spcPct val="100000"/>
+              </a:lnSpc>
+              <a:spcBef>
+                <a:spcPts val="0"/>
+              </a:spcBef>
+              <a:spcAft>
+                <a:spcPts val="0"/>
+              </a:spcAft>
+              <a:buClrTx/>
+              <a:buSzTx/>
+              <a:buFontTx/>
+              <a:buChar char="-"/>
+              <a:tabLst/>
+              <a:defRPr/>
+            </a:pPr>
+            <a:r>
+              <a:rPr lang="en-US" dirty="0"/>
+              <a:t>Can be used in series, gives informative error messages where things might have gotten mixed up</a:t>
             </a:r>
           </a:p>
         </p:txBody>
@@ -1837,7 +2103,7 @@
     </p:spTree>
     <p:extLst>
       <p:ext uri="{BB962C8B-B14F-4D97-AF65-F5344CB8AC3E}">
-        <p14:creationId xmlns:p14="http://schemas.microsoft.com/office/powerpoint/2010/main" val="767338882"/>
+        <p14:creationId xmlns:p14="http://schemas.microsoft.com/office/powerpoint/2010/main" val="1309683632"/>
       </p:ext>
     </p:extLst>
   </p:cSld>
@@ -1910,88 +2176,7 @@
             </a:pPr>
             <a:r>
               <a:rPr lang="en-US" dirty="0"/>
-              <a:t>Helper functions to use across validation reports</a:t>
-            </a:r>
-          </a:p>
-          <a:p>
-            <a:pPr marL="171450" marR="0" lvl="0" indent="-171450" algn="l" defTabSz="914400" rtl="0" eaLnBrk="1" fontAlgn="auto" latinLnBrk="0" hangingPunct="1">
-              <a:lnSpc>
-                <a:spcPct val="100000"/>
-              </a:lnSpc>
-              <a:spcBef>
-                <a:spcPts val="0"/>
-              </a:spcBef>
-              <a:spcAft>
-                <a:spcPts val="0"/>
-              </a:spcAft>
-              <a:buClrTx/>
-              <a:buSzTx/>
-              <a:buFontTx/>
-              <a:buChar char="-"/>
-              <a:tabLst/>
-              <a:defRPr/>
-            </a:pPr>
-            <a:r>
-              <a:rPr lang="en-US" dirty="0" err="1"/>
-              <a:t>vt_path</a:t>
-            </a:r>
-            <a:r>
-              <a:rPr lang="en-US" dirty="0"/>
-              <a:t> is the path to the validation folder</a:t>
-            </a:r>
-          </a:p>
-          <a:p>
-            <a:pPr marL="171450" marR="0" lvl="0" indent="-171450" algn="l" defTabSz="914400" rtl="0" eaLnBrk="1" fontAlgn="auto" latinLnBrk="0" hangingPunct="1">
-              <a:lnSpc>
-                <a:spcPct val="100000"/>
-              </a:lnSpc>
-              <a:spcBef>
-                <a:spcPts val="0"/>
-              </a:spcBef>
-              <a:spcAft>
-                <a:spcPts val="0"/>
-              </a:spcAft>
-              <a:buClrTx/>
-              <a:buSzTx/>
-              <a:buFontTx/>
-              <a:buChar char="-"/>
-              <a:tabLst/>
-              <a:defRPr/>
-            </a:pPr>
-            <a:r>
-              <a:rPr lang="en-US" dirty="0" err="1"/>
-              <a:t>vt_file</a:t>
-            </a:r>
-            <a:r>
-              <a:rPr lang="en-US" dirty="0"/>
-              <a:t> evaluates files based on their extensions</a:t>
-            </a:r>
-          </a:p>
-          <a:p>
-            <a:pPr marL="171450" marR="0" lvl="0" indent="-171450" algn="l" defTabSz="914400" rtl="0" eaLnBrk="1" fontAlgn="auto" latinLnBrk="0" hangingPunct="1">
-              <a:lnSpc>
-                <a:spcPct val="100000"/>
-              </a:lnSpc>
-              <a:spcBef>
-                <a:spcPts val="0"/>
-              </a:spcBef>
-              <a:spcAft>
-                <a:spcPts val="0"/>
-              </a:spcAft>
-              <a:buClrTx/>
-              <a:buSzTx/>
-              <a:buFontTx/>
-              <a:buChar char="-"/>
-              <a:tabLst/>
-              <a:defRPr/>
-            </a:pPr>
-            <a:r>
-              <a:rPr lang="en-US" dirty="0" err="1"/>
-              <a:t>vt_get_child_files</a:t>
-            </a:r>
-            <a:r>
-              <a:rPr lang="en-US" dirty="0"/>
-              <a:t>() gets the list of files within the validation folder</a:t>
+              <a:t>Scrapes and creates data for validation report</a:t>
             </a:r>
           </a:p>
         </p:txBody>
@@ -2022,7 +2207,7 @@
     </p:spTree>
     <p:extLst>
       <p:ext uri="{BB962C8B-B14F-4D97-AF65-F5344CB8AC3E}">
-        <p14:creationId xmlns:p14="http://schemas.microsoft.com/office/powerpoint/2010/main" val="4085674437"/>
+        <p14:creationId xmlns:p14="http://schemas.microsoft.com/office/powerpoint/2010/main" val="767338882"/>
       </p:ext>
     </p:extLst>
   </p:cSld>
@@ -2158,7 +2343,7 @@
           <p:cNvPr id="5" name="Rectangle 4">
             <a:extLst>
               <a:ext uri="{FF2B5EF4-FFF2-40B4-BE49-F238E27FC236}">
-                <a16:creationId xmlns:a16="http://schemas.microsoft.com/office/drawing/2014/main" xmlns="" id="{904DB13E-F722-4ED6-BB00-556651E95281}"/>
+                <a16:creationId xmlns:a16="http://schemas.microsoft.com/office/drawing/2014/main" id="{904DB13E-F722-4ED6-BB00-556651E95281}"/>
               </a:ext>
             </a:extLst>
           </p:cNvPr>
@@ -2307,7 +2492,7 @@
           <p:cNvPr id="7" name="Group 6">
             <a:extLst>
               <a:ext uri="{FF2B5EF4-FFF2-40B4-BE49-F238E27FC236}">
-                <a16:creationId xmlns:a16="http://schemas.microsoft.com/office/drawing/2014/main" xmlns="" id="{E26428D7-C6F3-473D-A360-A3F5C3E8728C}"/>
+                <a16:creationId xmlns:a16="http://schemas.microsoft.com/office/drawing/2014/main" id="{E26428D7-C6F3-473D-A360-A3F5C3E8728C}"/>
               </a:ext>
             </a:extLst>
           </p:cNvPr>
@@ -2605,7 +2790,7 @@
           <a:p>
             <a:fld id="{EA0C0817-A112-4847-8014-A94B7D2A4EA3}" type="datetime1">
               <a:rPr lang="en-US" smtClean="0"/>
-              <a:t>9/12/2021</a:t>
+              <a:t>10/26/2021</a:t>
             </a:fld>
             <a:endParaRPr lang="en-US" dirty="0"/>
           </a:p>
@@ -2807,7 +2992,7 @@
           <a:p>
             <a:fld id="{7332B432-ACDA-4023-A761-2BAB76577B62}" type="datetime1">
               <a:rPr lang="en-US" smtClean="0"/>
-              <a:t>9/12/2021</a:t>
+              <a:t>10/26/2021</a:t>
             </a:fld>
             <a:endParaRPr lang="en-US" dirty="0"/>
           </a:p>
@@ -2890,7 +3075,7 @@
           <p:cNvPr id="15" name="Rectangle 14">
             <a:extLst>
               <a:ext uri="{FF2B5EF4-FFF2-40B4-BE49-F238E27FC236}">
-                <a16:creationId xmlns:a16="http://schemas.microsoft.com/office/drawing/2014/main" xmlns="" id="{0A4A1889-E37C-4EC3-9E41-9DAD221CF389}"/>
+                <a16:creationId xmlns:a16="http://schemas.microsoft.com/office/drawing/2014/main" id="{0A4A1889-E37C-4EC3-9E41-9DAD221CF389}"/>
               </a:ext>
             </a:extLst>
           </p:cNvPr>
@@ -3087,7 +3272,7 @@
           <p:cNvPr id="16" name="Group 15">
             <a:extLst>
               <a:ext uri="{FF2B5EF4-FFF2-40B4-BE49-F238E27FC236}">
-                <a16:creationId xmlns:a16="http://schemas.microsoft.com/office/drawing/2014/main" xmlns="" id="{1683EB04-C23E-490C-A1A6-030CF79D23C8}"/>
+                <a16:creationId xmlns:a16="http://schemas.microsoft.com/office/drawing/2014/main" id="{1683EB04-C23E-490C-A1A6-030CF79D23C8}"/>
               </a:ext>
             </a:extLst>
           </p:cNvPr>
@@ -3107,7 +3292,7 @@
             <p:cNvPr id="17" name="Straight Connector 16">
               <a:extLst>
                 <a:ext uri="{FF2B5EF4-FFF2-40B4-BE49-F238E27FC236}">
-                  <a16:creationId xmlns:a16="http://schemas.microsoft.com/office/drawing/2014/main" xmlns="" id="{F8A84C03-E1CA-4A4E-81D6-9BB0C335B7A0}"/>
+                  <a16:creationId xmlns:a16="http://schemas.microsoft.com/office/drawing/2014/main" id="{F8A84C03-E1CA-4A4E-81D6-9BB0C335B7A0}"/>
                 </a:ext>
               </a:extLst>
             </p:cNvPr>
@@ -3155,7 +3340,7 @@
             <p:cNvPr id="18" name="Straight Connector 17">
               <a:extLst>
                 <a:ext uri="{FF2B5EF4-FFF2-40B4-BE49-F238E27FC236}">
-                  <a16:creationId xmlns:a16="http://schemas.microsoft.com/office/drawing/2014/main" xmlns="" id="{4A26FB5A-D5D1-4DAB-AC43-7F51A7F2D197}"/>
+                  <a16:creationId xmlns:a16="http://schemas.microsoft.com/office/drawing/2014/main" id="{4A26FB5A-D5D1-4DAB-AC43-7F51A7F2D197}"/>
                 </a:ext>
               </a:extLst>
             </p:cNvPr>
@@ -3203,7 +3388,7 @@
             <p:cNvPr id="19" name="Straight Connector 18">
               <a:extLst>
                 <a:ext uri="{FF2B5EF4-FFF2-40B4-BE49-F238E27FC236}">
-                  <a16:creationId xmlns:a16="http://schemas.microsoft.com/office/drawing/2014/main" xmlns="" id="{49303F14-E560-4C02-94F4-B4695FE26813}"/>
+                  <a16:creationId xmlns:a16="http://schemas.microsoft.com/office/drawing/2014/main" id="{49303F14-E560-4C02-94F4-B4695FE26813}"/>
                 </a:ext>
               </a:extLst>
             </p:cNvPr>
@@ -3406,7 +3591,7 @@
           <a:p>
             <a:fld id="{D9C646AA-F36E-4540-911D-FFFC0A0EF24A}" type="datetime1">
               <a:rPr lang="en-US" smtClean="0"/>
-              <a:t>9/12/2021</a:t>
+              <a:t>10/26/2021</a:t>
             </a:fld>
             <a:endParaRPr lang="en-US" dirty="0"/>
           </a:p>
@@ -3726,7 +3911,7 @@
           <a:p>
             <a:fld id="{69186D26-FA5F-4637-B602-B7C2DC34CFD4}" type="datetime1">
               <a:rPr lang="en-US" smtClean="0"/>
-              <a:t>9/12/2021</a:t>
+              <a:t>10/26/2021</a:t>
             </a:fld>
             <a:endParaRPr lang="en-US" dirty="0"/>
           </a:p>
@@ -4163,7 +4348,7 @@
           <a:p>
             <a:fld id="{8A7F15D8-96D1-4781-BC50-CA8A088B2FE4}" type="datetime1">
               <a:rPr lang="en-US" smtClean="0"/>
-              <a:t>9/12/2021</a:t>
+              <a:t>10/26/2021</a:t>
             </a:fld>
             <a:endParaRPr lang="en-US" dirty="0"/>
           </a:p>
@@ -4281,7 +4466,7 @@
           <a:p>
             <a:fld id="{F9A96C99-B8F8-4528-BD05-0E16E943DC09}" type="datetime1">
               <a:rPr lang="en-US" smtClean="0"/>
-              <a:t>9/12/2021</a:t>
+              <a:t>10/26/2021</a:t>
             </a:fld>
             <a:endParaRPr lang="en-US" dirty="0"/>
           </a:p>
@@ -4376,7 +4561,7 @@
           <a:p>
             <a:fld id="{03636942-C211-4B28-8DBD-C953E00AF71B}" type="datetime1">
               <a:rPr lang="en-US" smtClean="0"/>
-              <a:t>9/12/2021</a:t>
+              <a:t>10/26/2021</a:t>
             </a:fld>
             <a:endParaRPr lang="en-US" dirty="0"/>
           </a:p>
@@ -4459,7 +4644,7 @@
           <p:cNvPr id="10" name="Rectangle 9">
             <a:extLst>
               <a:ext uri="{FF2B5EF4-FFF2-40B4-BE49-F238E27FC236}">
-                <a16:creationId xmlns:a16="http://schemas.microsoft.com/office/drawing/2014/main" xmlns="" id="{D5E1BBF9-8BEF-4353-BA68-30AAF9EBD8D8}"/>
+                <a16:creationId xmlns:a16="http://schemas.microsoft.com/office/drawing/2014/main" id="{D5E1BBF9-8BEF-4353-BA68-30AAF9EBD8D8}"/>
               </a:ext>
             </a:extLst>
           </p:cNvPr>
@@ -4506,7 +4691,7 @@
           <p:cNvPr id="13" name="Rectangle 12">
             <a:extLst>
               <a:ext uri="{FF2B5EF4-FFF2-40B4-BE49-F238E27FC236}">
-                <a16:creationId xmlns:a16="http://schemas.microsoft.com/office/drawing/2014/main" xmlns="" id="{5B941C21-2A5D-4912-AB06-1BB0C0EB6AE1}"/>
+                <a16:creationId xmlns:a16="http://schemas.microsoft.com/office/drawing/2014/main" id="{5B941C21-2A5D-4912-AB06-1BB0C0EB6AE1}"/>
               </a:ext>
             </a:extLst>
           </p:cNvPr>
@@ -4793,7 +4978,7 @@
           <a:p>
             <a:fld id="{7E8D12A6-918A-48BD-8CB9-CA713993B0EA}" type="datetime1">
               <a:rPr lang="en-US" smtClean="0"/>
-              <a:t>9/12/2021</a:t>
+              <a:t>10/26/2021</a:t>
             </a:fld>
             <a:endParaRPr lang="en-US" dirty="0"/>
           </a:p>
@@ -4901,7 +5086,7 @@
           <p:cNvPr id="11" name="Rectangle 10">
             <a:extLst>
               <a:ext uri="{FF2B5EF4-FFF2-40B4-BE49-F238E27FC236}">
-                <a16:creationId xmlns:a16="http://schemas.microsoft.com/office/drawing/2014/main" xmlns="" id="{E687CA98-D9C7-497F-A1DA-7D22F8753BCE}"/>
+                <a16:creationId xmlns:a16="http://schemas.microsoft.com/office/drawing/2014/main" id="{E687CA98-D9C7-497F-A1DA-7D22F8753BCE}"/>
               </a:ext>
             </a:extLst>
           </p:cNvPr>
@@ -5055,7 +5240,7 @@
             <a:fld id="{E778CE86-875F-4587-BCF6-FA054AFC0D53}" type="datetime1">
               <a:rPr lang="en-US" smtClean="0"/>
               <a:pPr/>
-              <a:t>9/12/2021</a:t>
+              <a:t>10/26/2021</a:t>
             </a:fld>
             <a:endParaRPr lang="en-US" dirty="0"/>
           </a:p>
@@ -5137,7 +5322,7 @@
           <p:cNvPr id="12" name="Rectangle 11">
             <a:extLst>
               <a:ext uri="{FF2B5EF4-FFF2-40B4-BE49-F238E27FC236}">
-                <a16:creationId xmlns:a16="http://schemas.microsoft.com/office/drawing/2014/main" xmlns="" id="{F8B3D8CC-BB13-41A5-8F34-B8E84A4F9534}"/>
+                <a16:creationId xmlns:a16="http://schemas.microsoft.com/office/drawing/2014/main" id="{F8B3D8CC-BB13-41A5-8F34-B8E84A4F9534}"/>
               </a:ext>
             </a:extLst>
           </p:cNvPr>
@@ -5339,7 +5524,7 @@
           <p:cNvPr id="9" name="Rectangle 8">
             <a:extLst>
               <a:ext uri="{FF2B5EF4-FFF2-40B4-BE49-F238E27FC236}">
-                <a16:creationId xmlns:a16="http://schemas.microsoft.com/office/drawing/2014/main" xmlns="" id="{1E94681D-2A4C-4A8D-B9B5-31D440D0328D}"/>
+                <a16:creationId xmlns:a16="http://schemas.microsoft.com/office/drawing/2014/main" id="{1E94681D-2A4C-4A8D-B9B5-31D440D0328D}"/>
               </a:ext>
             </a:extLst>
           </p:cNvPr>
@@ -5571,7 +5756,7 @@
           <a:p>
             <a:fld id="{F6FA2B21-3FCD-4721-B95C-427943F61125}" type="datetime1">
               <a:rPr lang="en-US" smtClean="0"/>
-              <a:t>9/12/2021</a:t>
+              <a:t>10/26/2021</a:t>
             </a:fld>
             <a:endParaRPr lang="en-US" dirty="0"/>
           </a:p>
@@ -6051,7 +6236,7 @@
           <p:cNvPr id="6" name="Picture 5" descr="abstract image">
             <a:extLst>
               <a:ext uri="{FF2B5EF4-FFF2-40B4-BE49-F238E27FC236}">
-                <a16:creationId xmlns:a16="http://schemas.microsoft.com/office/drawing/2014/main" xmlns="" id="{8045422F-7258-40AC-BD2E-2469AA448922}"/>
+                <a16:creationId xmlns:a16="http://schemas.microsoft.com/office/drawing/2014/main" id="{8045422F-7258-40AC-BD2E-2469AA448922}"/>
               </a:ext>
             </a:extLst>
           </p:cNvPr>
@@ -6086,10 +6271,10 @@
           <p:cNvPr id="82" name="Rectangle 81">
             <a:extLst>
               <a:ext uri="{FF2B5EF4-FFF2-40B4-BE49-F238E27FC236}">
-                <a16:creationId xmlns:a16="http://schemas.microsoft.com/office/drawing/2014/main" xmlns="" id="{2644B391-9BFE-445C-A9EC-F544BB85FBC7}"/>
+                <a16:creationId xmlns:a16="http://schemas.microsoft.com/office/drawing/2014/main" id="{2644B391-9BFE-445C-A9EC-F544BB85FBC7}"/>
               </a:ext>
               <a:ext uri="{C183D7F6-B498-43B3-948B-1728B52AA6E4}">
-                <adec:decorative xmlns:adec="http://schemas.microsoft.com/office/drawing/2017/decorative" xmlns="" val="1"/>
+                <adec:decorative xmlns:adec="http://schemas.microsoft.com/office/drawing/2017/decorative" val="1"/>
               </a:ext>
             </a:extLst>
           </p:cNvPr>
@@ -6099,7 +6284,7 @@
           <p:nvPr>
             <p:extLst>
               <p:ext uri="{386F3935-93C4-4BCD-93E2-E3B085C9AB24}">
-                <p16:designElem xmlns:p16="http://schemas.microsoft.com/office/powerpoint/2015/main" xmlns="" val="1"/>
+                <p16:designElem xmlns:p16="http://schemas.microsoft.com/office/powerpoint/2015/main" val="1"/>
               </p:ext>
             </p:extLst>
           </p:nvPr>
@@ -6131,10 +6316,10 @@
           <p:cNvPr id="84" name="Rectangle 83">
             <a:extLst>
               <a:ext uri="{FF2B5EF4-FFF2-40B4-BE49-F238E27FC236}">
-                <a16:creationId xmlns:a16="http://schemas.microsoft.com/office/drawing/2014/main" xmlns="" id="{80F26E69-87D9-4655-AE7B-280A87AA3CAD}"/>
+                <a16:creationId xmlns:a16="http://schemas.microsoft.com/office/drawing/2014/main" id="{80F26E69-87D9-4655-AE7B-280A87AA3CAD}"/>
               </a:ext>
               <a:ext uri="{C183D7F6-B498-43B3-948B-1728B52AA6E4}">
-                <adec:decorative xmlns:adec="http://schemas.microsoft.com/office/drawing/2017/decorative" xmlns="" val="1"/>
+                <adec:decorative xmlns:adec="http://schemas.microsoft.com/office/drawing/2017/decorative" val="1"/>
               </a:ext>
             </a:extLst>
           </p:cNvPr>
@@ -6144,7 +6329,7 @@
           <p:nvPr>
             <p:extLst>
               <p:ext uri="{386F3935-93C4-4BCD-93E2-E3B085C9AB24}">
-                <p16:designElem xmlns:p16="http://schemas.microsoft.com/office/powerpoint/2015/main" xmlns="" val="1"/>
+                <p16:designElem xmlns:p16="http://schemas.microsoft.com/office/powerpoint/2015/main" val="1"/>
               </p:ext>
             </p:extLst>
           </p:nvPr>
@@ -6175,7 +6360,7 @@
           <p:cNvPr id="2" name="Title 1">
             <a:extLst>
               <a:ext uri="{FF2B5EF4-FFF2-40B4-BE49-F238E27FC236}">
-                <a16:creationId xmlns:a16="http://schemas.microsoft.com/office/drawing/2014/main" xmlns="" id="{18C3B467-088C-4F3D-A9A7-105C4E1E20CD}"/>
+                <a16:creationId xmlns:a16="http://schemas.microsoft.com/office/drawing/2014/main" id="{18C3B467-088C-4F3D-A9A7-105C4E1E20CD}"/>
               </a:ext>
             </a:extLst>
           </p:cNvPr>
@@ -6222,7 +6407,7 @@
           <p:cNvPr id="3" name="Subtitle 2">
             <a:extLst>
               <a:ext uri="{FF2B5EF4-FFF2-40B4-BE49-F238E27FC236}">
-                <a16:creationId xmlns:a16="http://schemas.microsoft.com/office/drawing/2014/main" xmlns="" id="{C8722DDC-8EEE-4A06-8DFE-B44871EAA2CF}"/>
+                <a16:creationId xmlns:a16="http://schemas.microsoft.com/office/drawing/2014/main" id="{C8722DDC-8EEE-4A06-8DFE-B44871EAA2CF}"/>
               </a:ext>
             </a:extLst>
           </p:cNvPr>
@@ -6282,7 +6467,7 @@
           <p:cNvPr id="5" name="Straight Connector 4">
             <a:extLst>
               <a:ext uri="{FF2B5EF4-FFF2-40B4-BE49-F238E27FC236}">
-                <a16:creationId xmlns:a16="http://schemas.microsoft.com/office/drawing/2014/main" xmlns="" id="{20AC4B09-ED72-42FC-9845-45FC1F4BC29D}"/>
+                <a16:creationId xmlns:a16="http://schemas.microsoft.com/office/drawing/2014/main" id="{20AC4B09-ED72-42FC-9845-45FC1F4BC29D}"/>
               </a:ext>
             </a:extLst>
           </p:cNvPr>
@@ -6353,7 +6538,7 @@
           <p:cNvPr id="8" name="Title 7">
             <a:extLst>
               <a:ext uri="{FF2B5EF4-FFF2-40B4-BE49-F238E27FC236}">
-                <a16:creationId xmlns:a16="http://schemas.microsoft.com/office/drawing/2014/main" xmlns="" id="{6A34AC25-F9D4-48D7-A664-C590D06BF559}"/>
+                <a16:creationId xmlns:a16="http://schemas.microsoft.com/office/drawing/2014/main" id="{6A34AC25-F9D4-48D7-A664-C590D06BF559}"/>
               </a:ext>
             </a:extLst>
           </p:cNvPr>
@@ -6371,7 +6556,7 @@
           <a:p>
             <a:r>
               <a:rPr lang="en-US" dirty="0"/>
-              <a:t>Validation runners</a:t>
+              <a:t>Report Generation Runners</a:t>
             </a:r>
           </a:p>
         </p:txBody>
@@ -6381,7 +6566,7 @@
           <p:cNvPr id="10" name="Rectangle 3">
             <a:extLst>
               <a:ext uri="{FF2B5EF4-FFF2-40B4-BE49-F238E27FC236}">
-                <a16:creationId xmlns:a16="http://schemas.microsoft.com/office/drawing/2014/main" xmlns="" id="{FF9184A9-1B75-4F3B-B4FE-1B634A77DDFC}"/>
+                <a16:creationId xmlns:a16="http://schemas.microsoft.com/office/drawing/2014/main" id="{FF9184A9-1B75-4F3B-B4FE-1B634A77DDFC}"/>
               </a:ext>
             </a:extLst>
           </p:cNvPr>
@@ -6726,7 +6911,7 @@
           <p:cNvPr id="11" name="TextBox 10">
             <a:extLst>
               <a:ext uri="{FF2B5EF4-FFF2-40B4-BE49-F238E27FC236}">
-                <a16:creationId xmlns:a16="http://schemas.microsoft.com/office/drawing/2014/main" xmlns="" id="{F1F3DA2E-9599-4B03-A261-D34A77F831CE}"/>
+                <a16:creationId xmlns:a16="http://schemas.microsoft.com/office/drawing/2014/main" id="{F1F3DA2E-9599-4B03-A261-D34A77F831CE}"/>
               </a:ext>
             </a:extLst>
           </p:cNvPr>
@@ -6754,12 +6939,8 @@
               <a:buChar char="•"/>
             </a:pPr>
             <a:r>
-              <a:rPr lang="en-US" sz="2800" dirty="0" err="1"/>
-              <a:t>vt_validate_report</a:t>
-            </a:r>
-            <a:r>
               <a:rPr lang="en-US" sz="2800" dirty="0"/>
-              <a:t>()</a:t>
+              <a:t>Runs Reports in a clean environment</a:t>
             </a:r>
           </a:p>
           <a:p>
@@ -6767,14 +6948,7 @@
               <a:buFont typeface="Arial" panose="020B0604020202020204" pitchFamily="34" charset="0"/>
               <a:buChar char="•"/>
             </a:pPr>
-            <a:r>
-              <a:rPr lang="en-US" sz="2800" dirty="0" err="1"/>
-              <a:t>vt_validate_source</a:t>
-            </a:r>
-            <a:r>
-              <a:rPr lang="en-US" sz="2800" dirty="0"/>
-              <a:t>()</a:t>
-            </a:r>
+            <a:endParaRPr lang="en-US" sz="2800" dirty="0"/>
           </a:p>
           <a:p>
             <a:pPr marL="285750" indent="-285750">
@@ -6782,12 +6956,8 @@
               <a:buChar char="•"/>
             </a:pPr>
             <a:r>
-              <a:rPr lang="en-US" sz="2800" dirty="0" err="1"/>
-              <a:t>vt_validate_build</a:t>
-            </a:r>
-            <a:r>
               <a:rPr lang="en-US" sz="2800" dirty="0"/>
-              <a:t>() </a:t>
+              <a:t>Generates versioned outputs</a:t>
             </a:r>
           </a:p>
           <a:p>
@@ -6795,14 +6965,7 @@
               <a:buFont typeface="Arial" panose="020B0604020202020204" pitchFamily="34" charset="0"/>
               <a:buChar char="•"/>
             </a:pPr>
-            <a:r>
-              <a:rPr lang="en-US" sz="2800" dirty="0" err="1"/>
-              <a:t>vt_validate_install</a:t>
-            </a:r>
-            <a:r>
-              <a:rPr lang="en-US" sz="2800" dirty="0"/>
-              <a:t>() </a:t>
-            </a:r>
+            <a:endParaRPr lang="en-US" sz="2800" dirty="0"/>
           </a:p>
           <a:p>
             <a:pPr marL="285750" indent="-285750">
@@ -6810,12 +6973,8 @@
               <a:buChar char="•"/>
             </a:pPr>
             <a:r>
-              <a:rPr lang="en-US" sz="2800" dirty="0" err="1"/>
-              <a:t>vt_validate_installed_package</a:t>
-            </a:r>
-            <a:r>
               <a:rPr lang="en-US" sz="2800" dirty="0"/>
-              <a:t>()</a:t>
+              <a:t>CLI Alternative to “knit” button</a:t>
             </a:r>
           </a:p>
         </p:txBody>
@@ -6855,7 +7014,7 @@
           <p:cNvPr id="2" name="Title 1">
             <a:extLst>
               <a:ext uri="{FF2B5EF4-FFF2-40B4-BE49-F238E27FC236}">
-                <a16:creationId xmlns:a16="http://schemas.microsoft.com/office/drawing/2014/main" xmlns="" id="{7614332B-4F24-42F4-A704-A6F1183E9470}"/>
+                <a16:creationId xmlns:a16="http://schemas.microsoft.com/office/drawing/2014/main" id="{7614332B-4F24-42F4-A704-A6F1183E9470}"/>
               </a:ext>
             </a:extLst>
           </p:cNvPr>
@@ -6922,7 +7081,7 @@
           <p:cNvPr id="2" name="Title 1">
             <a:extLst>
               <a:ext uri="{FF2B5EF4-FFF2-40B4-BE49-F238E27FC236}">
-                <a16:creationId xmlns:a16="http://schemas.microsoft.com/office/drawing/2014/main" xmlns="" id="{4DA197EC-75CE-4967-B49A-620F6D94CA9D}"/>
+                <a16:creationId xmlns:a16="http://schemas.microsoft.com/office/drawing/2014/main" id="{4DA197EC-75CE-4967-B49A-620F6D94CA9D}"/>
               </a:ext>
             </a:extLst>
           </p:cNvPr>
@@ -6999,7 +7158,7 @@
           <p:cNvPr id="2" name="Title 1">
             <a:extLst>
               <a:ext uri="{FF2B5EF4-FFF2-40B4-BE49-F238E27FC236}">
-                <a16:creationId xmlns:a16="http://schemas.microsoft.com/office/drawing/2014/main" xmlns="" id="{4DA197EC-75CE-4967-B49A-620F6D94CA9D}"/>
+                <a16:creationId xmlns:a16="http://schemas.microsoft.com/office/drawing/2014/main" id="{4DA197EC-75CE-4967-B49A-620F6D94CA9D}"/>
               </a:ext>
             </a:extLst>
           </p:cNvPr>
@@ -7073,7 +7232,7 @@
           <p:cNvPr id="2" name="Title 1">
             <a:extLst>
               <a:ext uri="{FF2B5EF4-FFF2-40B4-BE49-F238E27FC236}">
-                <a16:creationId xmlns:a16="http://schemas.microsoft.com/office/drawing/2014/main" xmlns="" id="{749E0D1B-C9EF-4CB6-9922-ED9D4AC52C59}"/>
+                <a16:creationId xmlns:a16="http://schemas.microsoft.com/office/drawing/2014/main" id="{749E0D1B-C9EF-4CB6-9922-ED9D4AC52C59}"/>
               </a:ext>
             </a:extLst>
           </p:cNvPr>
@@ -7101,7 +7260,7 @@
           <p:cNvPr id="5" name="Content Placeholder 4">
             <a:extLst>
               <a:ext uri="{FF2B5EF4-FFF2-40B4-BE49-F238E27FC236}">
-                <a16:creationId xmlns:a16="http://schemas.microsoft.com/office/drawing/2014/main" xmlns="" id="{7E558183-391D-4056-BC02-A181C5440B05}"/>
+                <a16:creationId xmlns:a16="http://schemas.microsoft.com/office/drawing/2014/main" id="{7E558183-391D-4056-BC02-A181C5440B05}"/>
               </a:ext>
             </a:extLst>
           </p:cNvPr>
@@ -7135,15 +7294,19 @@
               <a:t>What is </a:t>
             </a:r>
             <a:r>
+              <a:rPr lang="en-US" sz="2400" dirty="0" err="1"/>
+              <a:t>valtools</a:t>
+            </a:r>
+            <a:endParaRPr lang="en-US" sz="2400" dirty="0"/>
+          </a:p>
+          <a:p>
+            <a:r>
+              <a:rPr lang="en-US" sz="2400" dirty="0"/>
+              <a:t>How </a:t>
+            </a:r>
+            <a:r>
               <a:rPr lang="en-US" sz="2400"/>
-              <a:t>valtools</a:t>
-            </a:r>
-            <a:endParaRPr lang="en-US" sz="2400" dirty="0"/>
-          </a:p>
-          <a:p>
-            <a:r>
-              <a:rPr lang="en-US" sz="2400" dirty="0"/>
-              <a:t>How to improve </a:t>
+              <a:t>to contribute to </a:t>
             </a:r>
             <a:r>
               <a:rPr lang="en-US" sz="2400" dirty="0" err="1"/>
@@ -7191,7 +7354,7 @@
           <p:cNvPr id="2" name="Title 1">
             <a:extLst>
               <a:ext uri="{FF2B5EF4-FFF2-40B4-BE49-F238E27FC236}">
-                <a16:creationId xmlns:a16="http://schemas.microsoft.com/office/drawing/2014/main" xmlns="" id="{7614332B-4F24-42F4-A704-A6F1183E9470}"/>
+                <a16:creationId xmlns:a16="http://schemas.microsoft.com/office/drawing/2014/main" id="{7614332B-4F24-42F4-A704-A6F1183E9470}"/>
               </a:ext>
             </a:extLst>
           </p:cNvPr>
@@ -7249,7 +7412,7 @@
           <p:cNvPr id="2" name="Title 1">
             <a:extLst>
               <a:ext uri="{FF2B5EF4-FFF2-40B4-BE49-F238E27FC236}">
-                <a16:creationId xmlns:a16="http://schemas.microsoft.com/office/drawing/2014/main" xmlns="" id="{4DA197EC-75CE-4967-B49A-620F6D94CA9D}"/>
+                <a16:creationId xmlns:a16="http://schemas.microsoft.com/office/drawing/2014/main" id="{4DA197EC-75CE-4967-B49A-620F6D94CA9D}"/>
               </a:ext>
             </a:extLst>
           </p:cNvPr>
@@ -7404,7 +7567,7 @@
           <p:cNvPr id="2" name="Title 1">
             <a:extLst>
               <a:ext uri="{FF2B5EF4-FFF2-40B4-BE49-F238E27FC236}">
-                <a16:creationId xmlns:a16="http://schemas.microsoft.com/office/drawing/2014/main" xmlns="" id="{7614332B-4F24-42F4-A704-A6F1183E9470}"/>
+                <a16:creationId xmlns:a16="http://schemas.microsoft.com/office/drawing/2014/main" id="{7614332B-4F24-42F4-A704-A6F1183E9470}"/>
               </a:ext>
             </a:extLst>
           </p:cNvPr>
@@ -7469,7 +7632,7 @@
           <p:cNvPr id="2" name="Title 1">
             <a:extLst>
               <a:ext uri="{FF2B5EF4-FFF2-40B4-BE49-F238E27FC236}">
-                <a16:creationId xmlns:a16="http://schemas.microsoft.com/office/drawing/2014/main" xmlns="" id="{749E0D1B-C9EF-4CB6-9922-ED9D4AC52C59}"/>
+                <a16:creationId xmlns:a16="http://schemas.microsoft.com/office/drawing/2014/main" id="{749E0D1B-C9EF-4CB6-9922-ED9D4AC52C59}"/>
               </a:ext>
             </a:extLst>
           </p:cNvPr>
@@ -7498,7 +7661,7 @@
           <p:cNvPr id="5" name="Content Placeholder 4">
             <a:extLst>
               <a:ext uri="{FF2B5EF4-FFF2-40B4-BE49-F238E27FC236}">
-                <a16:creationId xmlns:a16="http://schemas.microsoft.com/office/drawing/2014/main" xmlns="" id="{7E558183-391D-4056-BC02-A181C5440B05}"/>
+                <a16:creationId xmlns:a16="http://schemas.microsoft.com/office/drawing/2014/main" id="{7E558183-391D-4056-BC02-A181C5440B05}"/>
               </a:ext>
             </a:extLst>
           </p:cNvPr>
@@ -7512,7 +7675,7 @@
         <p:spPr/>
         <p:txBody>
           <a:bodyPr>
-            <a:normAutofit fontScale="92500" lnSpcReduction="10000"/>
+            <a:normAutofit/>
           </a:bodyPr>
           <a:lstStyle/>
           <a:p>
@@ -7522,7 +7685,7 @@
             </a:pPr>
             <a:r>
               <a:rPr lang="en-US" sz="3200" dirty="0"/>
-              <a:t>Useful tools for automating the validation of R packages</a:t>
+              <a:t>Useful tools for automating validation</a:t>
             </a:r>
           </a:p>
           <a:p>
@@ -7628,7 +7791,7 @@
           <p:cNvPr id="8" name="Title 7">
             <a:extLst>
               <a:ext uri="{FF2B5EF4-FFF2-40B4-BE49-F238E27FC236}">
-                <a16:creationId xmlns:a16="http://schemas.microsoft.com/office/drawing/2014/main" xmlns="" id="{6A34AC25-F9D4-48D7-A664-C590D06BF559}"/>
+                <a16:creationId xmlns:a16="http://schemas.microsoft.com/office/drawing/2014/main" id="{6A34AC25-F9D4-48D7-A664-C590D06BF559}"/>
               </a:ext>
             </a:extLst>
           </p:cNvPr>
@@ -7645,12 +7808,8 @@
           <a:lstStyle/>
           <a:p>
             <a:r>
-              <a:rPr lang="en-US" dirty="0"/>
-              <a:t>File Creation – </a:t>
-            </a:r>
-            <a:r>
               <a:rPr lang="en-US" dirty="0" err="1"/>
-              <a:t>vt_use</a:t>
+              <a:t>vt_create</a:t>
             </a:r>
             <a:r>
               <a:rPr lang="en-US" dirty="0"/>
@@ -7664,7 +7823,7 @@
           <p:cNvPr id="10" name="Rectangle 3">
             <a:extLst>
               <a:ext uri="{FF2B5EF4-FFF2-40B4-BE49-F238E27FC236}">
-                <a16:creationId xmlns:a16="http://schemas.microsoft.com/office/drawing/2014/main" xmlns="" id="{FF9184A9-1B75-4F3B-B4FE-1B634A77DDFC}"/>
+                <a16:creationId xmlns:a16="http://schemas.microsoft.com/office/drawing/2014/main" id="{FF9184A9-1B75-4F3B-B4FE-1B634A77DDFC}"/>
               </a:ext>
             </a:extLst>
           </p:cNvPr>
@@ -8006,10 +8165,10 @@
       </p:sp>
       <p:sp>
         <p:nvSpPr>
-          <p:cNvPr id="11" name="TextBox 10">
+          <p:cNvPr id="5" name="TextBox 4">
             <a:extLst>
               <a:ext uri="{FF2B5EF4-FFF2-40B4-BE49-F238E27FC236}">
-                <a16:creationId xmlns:a16="http://schemas.microsoft.com/office/drawing/2014/main" xmlns="" id="{F1F3DA2E-9599-4B03-A261-D34A77F831CE}"/>
+                <a16:creationId xmlns:a16="http://schemas.microsoft.com/office/drawing/2014/main" id="{C654612B-DEE6-4282-89E3-6342ACA4252A}"/>
               </a:ext>
             </a:extLst>
           </p:cNvPr>
@@ -8018,8 +8177,8 @@
         </p:nvSpPr>
         <p:spPr>
           <a:xfrm>
-            <a:off x="1540934" y="2218267"/>
-            <a:ext cx="10651066" cy="3108543"/>
+            <a:off x="1540934" y="2014194"/>
+            <a:ext cx="10651066" cy="2677656"/>
           </a:xfrm>
           <a:prstGeom prst="rect">
             <a:avLst/>
@@ -8037,12 +8196,8 @@
               <a:buChar char="•"/>
             </a:pPr>
             <a:r>
-              <a:rPr lang="en-US" sz="2800" dirty="0" err="1"/>
-              <a:t>vt_use_validation</a:t>
-            </a:r>
-            <a:r>
               <a:rPr lang="en-US" sz="2800" dirty="0"/>
-              <a:t>()</a:t>
+              <a:t>Initialize validation projects</a:t>
             </a:r>
           </a:p>
           <a:p>
@@ -8058,28 +8213,8 @@
               <a:buChar char="•"/>
             </a:pPr>
             <a:r>
-              <a:rPr lang="en-US" sz="2800" dirty="0" err="1"/>
-              <a:t>vt_use_req</a:t>
-            </a:r>
-            <a:r>
               <a:rPr lang="en-US" sz="2800" dirty="0"/>
-              <a:t>(), </a:t>
-            </a:r>
-            <a:r>
-              <a:rPr lang="en-US" sz="2800" dirty="0" err="1"/>
-              <a:t>vt_use_test_case</a:t>
-            </a:r>
-            <a:r>
-              <a:rPr lang="en-US" sz="2800" dirty="0"/>
-              <a:t>(), </a:t>
-            </a:r>
-            <a:r>
-              <a:rPr lang="en-US" sz="2800" dirty="0" err="1"/>
-              <a:t>vt_use_test_code</a:t>
-            </a:r>
-            <a:r>
-              <a:rPr lang="en-US" sz="2800" dirty="0"/>
-              <a:t>()</a:t>
+              <a:t>Populates project with minimum necessary files</a:t>
             </a:r>
           </a:p>
           <a:p>
@@ -8095,12 +8230,16 @@
               <a:buChar char="•"/>
             </a:pPr>
             <a:r>
+              <a:rPr lang="en-US" sz="2800" dirty="0"/>
+              <a:t>Similar to </a:t>
+            </a:r>
+            <a:r>
               <a:rPr lang="en-US" sz="2800" dirty="0" err="1"/>
-              <a:t>vt_use_change_log</a:t>
+              <a:t>usethis</a:t>
             </a:r>
             <a:r>
               <a:rPr lang="en-US" sz="2800" dirty="0"/>
-              <a:t>() </a:t>
+              <a:t>::create_*</a:t>
             </a:r>
           </a:p>
           <a:p>
@@ -8109,20 +8248,6 @@
               <a:buChar char="•"/>
             </a:pPr>
             <a:endParaRPr lang="en-US" sz="2800" dirty="0"/>
-          </a:p>
-          <a:p>
-            <a:pPr marL="285750" indent="-285750">
-              <a:buFont typeface="Arial" panose="020B0604020202020204" pitchFamily="34" charset="0"/>
-              <a:buChar char="•"/>
-            </a:pPr>
-            <a:r>
-              <a:rPr lang="en-US" sz="2800" dirty="0" err="1"/>
-              <a:t>vt_use_report</a:t>
-            </a:r>
-            <a:r>
-              <a:rPr lang="en-US" sz="2800" dirty="0"/>
-              <a:t>()</a:t>
-            </a:r>
           </a:p>
         </p:txBody>
       </p:sp>
@@ -8161,7 +8286,7 @@
           <p:cNvPr id="8" name="Title 7">
             <a:extLst>
               <a:ext uri="{FF2B5EF4-FFF2-40B4-BE49-F238E27FC236}">
-                <a16:creationId xmlns:a16="http://schemas.microsoft.com/office/drawing/2014/main" xmlns="" id="{6A34AC25-F9D4-48D7-A664-C590D06BF559}"/>
+                <a16:creationId xmlns:a16="http://schemas.microsoft.com/office/drawing/2014/main" id="{6A34AC25-F9D4-48D7-A664-C590D06BF559}"/>
               </a:ext>
             </a:extLst>
           </p:cNvPr>
@@ -8178,20 +8303,8 @@
           <a:lstStyle/>
           <a:p>
             <a:r>
-              <a:rPr lang="en-US" dirty="0"/>
-              <a:t>Data Scraping &amp; formatting – </a:t>
-            </a:r>
-            <a:r>
               <a:rPr lang="en-US" dirty="0" err="1"/>
-              <a:t>vt_scrape</a:t>
-            </a:r>
-            <a:r>
-              <a:rPr lang="en-US" dirty="0"/>
-              <a:t>_* &amp; </a:t>
-            </a:r>
-            <a:r>
-              <a:rPr lang="en-US" dirty="0" err="1"/>
-              <a:t>vt_kable</a:t>
+              <a:t>vt_use</a:t>
             </a:r>
             <a:r>
               <a:rPr lang="en-US" dirty="0"/>
@@ -8205,7 +8318,7 @@
           <p:cNvPr id="10" name="Rectangle 3">
             <a:extLst>
               <a:ext uri="{FF2B5EF4-FFF2-40B4-BE49-F238E27FC236}">
-                <a16:creationId xmlns:a16="http://schemas.microsoft.com/office/drawing/2014/main" xmlns="" id="{FF9184A9-1B75-4F3B-B4FE-1B634A77DDFC}"/>
+                <a16:creationId xmlns:a16="http://schemas.microsoft.com/office/drawing/2014/main" id="{FF9184A9-1B75-4F3B-B4FE-1B634A77DDFC}"/>
               </a:ext>
             </a:extLst>
           </p:cNvPr>
@@ -8547,10 +8660,10 @@
       </p:sp>
       <p:sp>
         <p:nvSpPr>
-          <p:cNvPr id="11" name="TextBox 10">
+          <p:cNvPr id="5" name="TextBox 4">
             <a:extLst>
               <a:ext uri="{FF2B5EF4-FFF2-40B4-BE49-F238E27FC236}">
-                <a16:creationId xmlns:a16="http://schemas.microsoft.com/office/drawing/2014/main" xmlns="" id="{F1F3DA2E-9599-4B03-A261-D34A77F831CE}"/>
+                <a16:creationId xmlns:a16="http://schemas.microsoft.com/office/drawing/2014/main" id="{C654612B-DEE6-4282-89E3-6342ACA4252A}"/>
               </a:ext>
             </a:extLst>
           </p:cNvPr>
@@ -8559,8 +8672,8 @@
         </p:nvSpPr>
         <p:spPr>
           <a:xfrm>
-            <a:off x="1286933" y="2218267"/>
-            <a:ext cx="10905067" cy="3970318"/>
+            <a:off x="1540934" y="2014194"/>
+            <a:ext cx="10651066" cy="3108543"/>
           </a:xfrm>
           <a:prstGeom prst="rect">
             <a:avLst/>
@@ -8578,12 +8691,8 @@
               <a:buChar char="•"/>
             </a:pPr>
             <a:r>
-              <a:rPr lang="en-US" sz="2800" dirty="0" err="1"/>
-              <a:t>vt_scrape_sig_table</a:t>
-            </a:r>
-            <a:r>
               <a:rPr lang="en-US" sz="2800" dirty="0"/>
-              <a:t>() </a:t>
+              <a:t>Creates files within validation context</a:t>
             </a:r>
           </a:p>
           <a:p>
@@ -8591,14 +8700,7 @@
               <a:buFont typeface="Arial" panose="020B0604020202020204" pitchFamily="34" charset="0"/>
               <a:buChar char="•"/>
             </a:pPr>
-            <a:r>
-              <a:rPr lang="en-US" sz="2800" dirty="0" err="1"/>
-              <a:t>vt_scrape_val_env</a:t>
-            </a:r>
-            <a:r>
-              <a:rPr lang="en-US" sz="2800" dirty="0"/>
-              <a:t>() </a:t>
-            </a:r>
+            <a:endParaRPr lang="en-US" sz="2800" dirty="0"/>
           </a:p>
           <a:p>
             <a:pPr marL="285750" indent="-285750">
@@ -8606,12 +8708,16 @@
               <a:buChar char="•"/>
             </a:pPr>
             <a:r>
+              <a:rPr lang="en-US" sz="2800" dirty="0"/>
+              <a:t>Similar to </a:t>
+            </a:r>
+            <a:r>
               <a:rPr lang="en-US" sz="2800" dirty="0" err="1"/>
-              <a:t>vt_scrape_change_log</a:t>
+              <a:t>usethis</a:t>
             </a:r>
             <a:r>
               <a:rPr lang="en-US" sz="2800" dirty="0"/>
-              <a:t>()</a:t>
+              <a:t>::use_*</a:t>
             </a:r>
           </a:p>
           <a:p>
@@ -8619,14 +8725,7 @@
               <a:buFont typeface="Arial" panose="020B0604020202020204" pitchFamily="34" charset="0"/>
               <a:buChar char="•"/>
             </a:pPr>
-            <a:r>
-              <a:rPr lang="en-US" sz="2800" dirty="0" err="1"/>
-              <a:t>vt_scrape_coverage_matrix</a:t>
-            </a:r>
-            <a:r>
-              <a:rPr lang="en-US" sz="2800" dirty="0"/>
-              <a:t>()</a:t>
-            </a:r>
+            <a:endParaRPr lang="en-US" sz="2800" dirty="0"/>
           </a:p>
           <a:p>
             <a:pPr marL="285750" indent="-285750">
@@ -8634,12 +8733,8 @@
               <a:buChar char="•"/>
             </a:pPr>
             <a:r>
-              <a:rPr lang="en-US" sz="2800" dirty="0" err="1"/>
-              <a:t>vt_scrape_function_editors</a:t>
-            </a:r>
-            <a:r>
               <a:rPr lang="en-US" sz="2800" dirty="0"/>
-              <a:t>()</a:t>
+              <a:t>Helpful warnings/errors</a:t>
             </a:r>
           </a:p>
           <a:p>
@@ -8647,63 +8742,21 @@
               <a:buFont typeface="Arial" panose="020B0604020202020204" pitchFamily="34" charset="0"/>
               <a:buChar char="•"/>
             </a:pPr>
-            <a:r>
-              <a:rPr lang="en-US" sz="2800" dirty="0" err="1"/>
-              <a:t>vt_scrape_requirement_editors</a:t>
-            </a:r>
-            <a:r>
-              <a:rPr lang="en-US" sz="2800" dirty="0"/>
-              <a:t>()</a:t>
-            </a:r>
+            <a:endParaRPr lang="en-US" sz="2800" dirty="0"/>
           </a:p>
           <a:p>
             <a:pPr marL="285750" indent="-285750">
               <a:buFont typeface="Arial" panose="020B0604020202020204" pitchFamily="34" charset="0"/>
               <a:buChar char="•"/>
             </a:pPr>
-            <a:r>
-              <a:rPr lang="en-US" sz="2800" dirty="0" err="1"/>
-              <a:t>vt_scrape_test_case_editors</a:t>
-            </a:r>
-            <a:r>
-              <a:rPr lang="en-US" sz="2800" dirty="0"/>
-              <a:t>()</a:t>
-            </a:r>
-          </a:p>
-          <a:p>
-            <a:pPr marL="285750" indent="-285750">
-              <a:buFont typeface="Arial" panose="020B0604020202020204" pitchFamily="34" charset="0"/>
-              <a:buChar char="•"/>
-            </a:pPr>
-            <a:r>
-              <a:rPr lang="en-US" sz="2800" dirty="0" err="1"/>
-              <a:t>vt_scrape_test_code_editors</a:t>
-            </a:r>
-            <a:r>
-              <a:rPr lang="en-US" sz="2800" dirty="0"/>
-              <a:t>()</a:t>
-            </a:r>
-          </a:p>
-          <a:p>
-            <a:pPr marL="285750" indent="-285750">
-              <a:buFont typeface="Arial" panose="020B0604020202020204" pitchFamily="34" charset="0"/>
-              <a:buChar char="•"/>
-            </a:pPr>
-            <a:r>
-              <a:rPr lang="en-US" sz="2800" dirty="0" err="1"/>
-              <a:t>vt_scrape_risk_assessment</a:t>
-            </a:r>
-            <a:r>
-              <a:rPr lang="en-US" sz="2800" dirty="0"/>
-              <a:t>()</a:t>
-            </a:r>
+            <a:endParaRPr lang="en-US" sz="2800" dirty="0"/>
           </a:p>
         </p:txBody>
       </p:sp>
     </p:spTree>
     <p:extLst>
       <p:ext uri="{BB962C8B-B14F-4D97-AF65-F5344CB8AC3E}">
-        <p14:creationId xmlns:p14="http://schemas.microsoft.com/office/powerpoint/2010/main" val="156219768"/>
+        <p14:creationId xmlns:p14="http://schemas.microsoft.com/office/powerpoint/2010/main" val="2268572771"/>
       </p:ext>
     </p:extLst>
   </p:cSld>
@@ -8735,7 +8788,7 @@
           <p:cNvPr id="8" name="Title 7">
             <a:extLst>
               <a:ext uri="{FF2B5EF4-FFF2-40B4-BE49-F238E27FC236}">
-                <a16:creationId xmlns:a16="http://schemas.microsoft.com/office/drawing/2014/main" xmlns="" id="{6A34AC25-F9D4-48D7-A664-C590D06BF559}"/>
+                <a16:creationId xmlns:a16="http://schemas.microsoft.com/office/drawing/2014/main" id="{6A34AC25-F9D4-48D7-A664-C590D06BF559}"/>
               </a:ext>
             </a:extLst>
           </p:cNvPr>
@@ -8753,7 +8806,7 @@
           <a:p>
             <a:r>
               <a:rPr lang="en-US" dirty="0"/>
-              <a:t>Validation Report Helpers</a:t>
+              <a:t>Report Helper Functions</a:t>
             </a:r>
           </a:p>
         </p:txBody>
@@ -8763,7 +8816,7 @@
           <p:cNvPr id="10" name="Rectangle 3">
             <a:extLst>
               <a:ext uri="{FF2B5EF4-FFF2-40B4-BE49-F238E27FC236}">
-                <a16:creationId xmlns:a16="http://schemas.microsoft.com/office/drawing/2014/main" xmlns="" id="{FF9184A9-1B75-4F3B-B4FE-1B634A77DDFC}"/>
+                <a16:creationId xmlns:a16="http://schemas.microsoft.com/office/drawing/2014/main" id="{FF9184A9-1B75-4F3B-B4FE-1B634A77DDFC}"/>
               </a:ext>
             </a:extLst>
           </p:cNvPr>
@@ -9105,39 +9158,91 @@
       </p:sp>
       <p:sp>
         <p:nvSpPr>
-          <p:cNvPr id="11" name="TextBox 10">
+          <p:cNvPr id="2" name="Rectangle 1">
             <a:extLst>
               <a:ext uri="{FF2B5EF4-FFF2-40B4-BE49-F238E27FC236}">
-                <a16:creationId xmlns:a16="http://schemas.microsoft.com/office/drawing/2014/main" xmlns="" id="{F1F3DA2E-9599-4B03-A261-D34A77F831CE}"/>
+                <a16:creationId xmlns:a16="http://schemas.microsoft.com/office/drawing/2014/main" id="{2369E607-14C4-4FD3-AEFD-D4B882974929}"/>
               </a:ext>
             </a:extLst>
           </p:cNvPr>
-          <p:cNvSpPr txBox="1"/>
+          <p:cNvSpPr/>
           <p:nvPr/>
         </p:nvSpPr>
         <p:spPr>
           <a:xfrm>
-            <a:off x="1286933" y="2218267"/>
-            <a:ext cx="10905067" cy="1384995"/>
+            <a:off x="1174955" y="2136338"/>
+            <a:ext cx="9827342" cy="3970318"/>
           </a:xfrm>
           <a:prstGeom prst="rect">
             <a:avLst/>
           </a:prstGeom>
-          <a:noFill/>
         </p:spPr>
         <p:txBody>
-          <a:bodyPr wrap="square" rtlCol="0">
+          <a:bodyPr wrap="square">
             <a:spAutoFit/>
           </a:bodyPr>
           <a:lstStyle/>
           <a:p>
+            <a:pPr marL="457200" indent="-457200">
+              <a:buFont typeface="Arial" panose="020B0604020202020204" pitchFamily="34" charset="0"/>
+              <a:buChar char="•"/>
+            </a:pPr>
+            <a:r>
+              <a:rPr lang="en-US" sz="2800" dirty="0"/>
+              <a:t>Data Scraping &amp; formatting </a:t>
+            </a:r>
+          </a:p>
+          <a:p>
+            <a:pPr marL="914400" lvl="1" indent="-457200">
+              <a:buFont typeface="Arial" panose="020B0604020202020204" pitchFamily="34" charset="0"/>
+              <a:buChar char="•"/>
+            </a:pPr>
+            <a:r>
+              <a:rPr lang="en-US" sz="2800" dirty="0" err="1"/>
+              <a:t>vt_scrape</a:t>
+            </a:r>
+            <a:r>
+              <a:rPr lang="en-US" sz="2800" dirty="0"/>
+              <a:t>_* &amp; </a:t>
+            </a:r>
+            <a:r>
+              <a:rPr lang="en-US" sz="2800" dirty="0" err="1"/>
+              <a:t>vt_kable</a:t>
+            </a:r>
+            <a:r>
+              <a:rPr lang="en-US" sz="2800" dirty="0"/>
+              <a:t>_*</a:t>
+            </a:r>
+          </a:p>
+          <a:p>
+            <a:pPr marL="914400" lvl="1" indent="-457200">
+              <a:buFont typeface="Arial" panose="020B0604020202020204" pitchFamily="34" charset="0"/>
+              <a:buChar char="•"/>
+            </a:pPr>
+            <a:endParaRPr lang="en-US" sz="2800" dirty="0"/>
+          </a:p>
+          <a:p>
             <a:pPr marL="285750" indent="-285750">
               <a:buFont typeface="Arial" panose="020B0604020202020204" pitchFamily="34" charset="0"/>
               <a:buChar char="•"/>
             </a:pPr>
             <a:r>
+              <a:rPr lang="en-US" sz="2800" dirty="0"/>
+              <a:t>File Rendering</a:t>
+            </a:r>
+          </a:p>
+          <a:p>
+            <a:pPr marL="742950" lvl="1" indent="-285750">
+              <a:buFont typeface="Arial" panose="020B0604020202020204" pitchFamily="34" charset="0"/>
+              <a:buChar char="•"/>
+            </a:pPr>
+            <a:r>
+              <a:rPr lang="en-US" sz="2800" dirty="0"/>
+              <a:t> </a:t>
+            </a:r>
+            <a:r>
               <a:rPr lang="en-US" sz="2800" dirty="0" err="1"/>
-              <a:t>vt_path</a:t>
+              <a:t>vt_file</a:t>
             </a:r>
             <a:r>
               <a:rPr lang="en-US" sz="2800" dirty="0"/>
@@ -9149,14 +9254,7 @@
               <a:buFont typeface="Arial" panose="020B0604020202020204" pitchFamily="34" charset="0"/>
               <a:buChar char="•"/>
             </a:pPr>
-            <a:r>
-              <a:rPr lang="en-US" sz="2800" dirty="0" err="1"/>
-              <a:t>vt_file</a:t>
-            </a:r>
-            <a:r>
-              <a:rPr lang="en-US" sz="2800" dirty="0"/>
-              <a:t>()</a:t>
-            </a:r>
+            <a:endParaRPr lang="en-US" sz="2800" dirty="0"/>
           </a:p>
           <a:p>
             <a:pPr marL="285750" indent="-285750">
@@ -9164,20 +9262,37 @@
               <a:buChar char="•"/>
             </a:pPr>
             <a:r>
+              <a:rPr lang="en-US" sz="2800" dirty="0"/>
+              <a:t>File Referencing</a:t>
+            </a:r>
+          </a:p>
+          <a:p>
+            <a:pPr marL="742950" lvl="1" indent="-285750">
+              <a:buFont typeface="Arial" panose="020B0604020202020204" pitchFamily="34" charset="0"/>
+              <a:buChar char="•"/>
+            </a:pPr>
+            <a:r>
+              <a:rPr lang="en-US" sz="2800" dirty="0"/>
+              <a:t> </a:t>
+            </a:r>
+            <a:r>
               <a:rPr lang="en-US" sz="2800" dirty="0" err="1"/>
-              <a:t>vt_get_child_files</a:t>
+              <a:t>vt_path</a:t>
             </a:r>
             <a:r>
               <a:rPr lang="en-US" sz="2800" dirty="0"/>
               <a:t>()</a:t>
             </a:r>
+          </a:p>
+          <a:p>
+            <a:endParaRPr lang="en-US" sz="2800" dirty="0"/>
           </a:p>
         </p:txBody>
       </p:sp>
     </p:spTree>
     <p:extLst>
       <p:ext uri="{BB962C8B-B14F-4D97-AF65-F5344CB8AC3E}">
-        <p14:creationId xmlns:p14="http://schemas.microsoft.com/office/powerpoint/2010/main" val="595098644"/>
+        <p14:creationId xmlns:p14="http://schemas.microsoft.com/office/powerpoint/2010/main" val="156219768"/>
       </p:ext>
     </p:extLst>
   </p:cSld>
@@ -9457,7 +9572,7 @@
   <a:extraClrSchemeLst/>
   <a:extLst>
     <a:ext uri="{05A4C25C-085E-4340-85A3-A5531E510DB2}">
-      <thm15:themeFamily xmlns:thm15="http://schemas.microsoft.com/office/thememl/2012/main" xmlns="" name="Original 5_01_Win32" id="{77344C68-A3F1-476B-8680-97D7F429B46B}" vid="{89780073-58E8-4DFF-BF29-BA99F8052841}"/>
+      <thm15:themeFamily xmlns:thm15="http://schemas.microsoft.com/office/thememl/2012/main" name="Original 5_01_Win32" id="{77344C68-A3F1-476B-8680-97D7F429B46B}" vid="{89780073-58E8-4DFF-BF29-BA99F8052841}"/>
     </a:ext>
   </a:extLst>
 </a:theme>
@@ -9752,13 +9867,31 @@
   <a:extraClrSchemeLst/>
   <a:extLst>
     <a:ext uri="{05A4C25C-085E-4340-85A3-A5531E510DB2}">
-      <thm15:themeFamily xmlns:thm15="http://schemas.microsoft.com/office/thememl/2012/main" xmlns="" name="Office Theme" id="{62F939B6-93AF-4DB8-9C6B-D6C7DFDC589F}" vid="{4A3C46E8-61CC-4603-A589-7422A47A8E4A}"/>
+      <thm15:themeFamily xmlns:thm15="http://schemas.microsoft.com/office/thememl/2012/main" name="Office Theme" id="{62F939B6-93AF-4DB8-9C6B-D6C7DFDC589F}" vid="{4A3C46E8-61CC-4603-A589-7422A47A8E4A}"/>
     </a:ext>
   </a:extLst>
 </a:theme>
 </file>
 
 <file path=customXml/item1.xml><?xml version="1.0" encoding="utf-8"?>
+<p:properties xmlns:p="http://schemas.microsoft.com/office/2006/metadata/properties" xmlns:xsi="http://www.w3.org/2001/XMLSchema-instance" xmlns:pc="http://schemas.microsoft.com/office/infopath/2007/PartnerControls">
+  <documentManagement>
+    <Status xmlns="71af3243-3dd4-4a8d-8c0d-dd76da1f02a5">Not started</Status>
+    <MediaServiceKeyPoints xmlns="71af3243-3dd4-4a8d-8c0d-dd76da1f02a5" xsi:nil="true"/>
+  </documentManagement>
+</p:properties>
+</file>
+
+<file path=customXml/item2.xml><?xml version="1.0" encoding="utf-8"?>
+<?mso-contentType ?>
+<FormTemplates xmlns="http://schemas.microsoft.com/sharepoint/v3/contenttype/forms">
+  <Display>DocumentLibraryForm</Display>
+  <Edit>DocumentLibraryForm</Edit>
+  <New>DocumentLibraryForm</New>
+</FormTemplates>
+</file>
+
+<file path=customXml/item3.xml><?xml version="1.0" encoding="utf-8"?>
 <ct:contentTypeSchema xmlns:ct="http://schemas.microsoft.com/office/2006/metadata/contentType" xmlns:ma="http://schemas.microsoft.com/office/2006/metadata/properties/metaAttributes" ct:_="" ma:_="" ma:contentTypeName="Document" ma:contentTypeID="0x01010079F111ED35F8CC479449609E8A0923A6" ma:contentTypeVersion="12" ma:contentTypeDescription="Create a new document." ma:contentTypeScope="" ma:versionID="a410dd7f93c95333ffa1b60ed6adedd1">
   <xsd:schema xmlns:xsd="http://www.w3.org/2001/XMLSchema" xmlns:xs="http://www.w3.org/2001/XMLSchema" xmlns:p="http://schemas.microsoft.com/office/2006/metadata/properties" xmlns:ns2="71af3243-3dd4-4a8d-8c0d-dd76da1f02a5" xmlns:ns3="16c05727-aa75-4e4a-9b5f-8a80a1165891" targetNamespace="http://schemas.microsoft.com/office/2006/metadata/properties" ma:root="true" ma:fieldsID="a936d9baba76aa3866493feff160faab" ns2:_="" ns3:_="">
     <xsd:import namespace="71af3243-3dd4-4a8d-8c0d-dd76da1f02a5"/>
@@ -9979,25 +10112,32 @@
 </ct:contentTypeSchema>
 </file>
 
-<file path=customXml/item2.xml><?xml version="1.0" encoding="utf-8"?>
-<?mso-contentType ?>
-<FormTemplates xmlns="http://schemas.microsoft.com/sharepoint/v3/contenttype/forms">
-  <Display>DocumentLibraryForm</Display>
-  <Edit>DocumentLibraryForm</Edit>
-  <New>DocumentLibraryForm</New>
-</FormTemplates>
+<file path=customXml/itemProps1.xml><?xml version="1.0" encoding="utf-8"?>
+<ds:datastoreItem xmlns:ds="http://schemas.openxmlformats.org/officeDocument/2006/customXml" ds:itemID="{137651BA-F45C-4845-9AB3-E0A65B39F5E1}">
+  <ds:schemaRefs>
+    <ds:schemaRef ds:uri="http://schemas.microsoft.com/office/2006/documentManagement/types"/>
+    <ds:schemaRef ds:uri="http://schemas.microsoft.com/office/2006/metadata/properties"/>
+    <ds:schemaRef ds:uri="http://purl.org/dc/terms/"/>
+    <ds:schemaRef ds:uri="http://schemas.openxmlformats.org/package/2006/metadata/core-properties"/>
+    <ds:schemaRef ds:uri="16c05727-aa75-4e4a-9b5f-8a80a1165891"/>
+    <ds:schemaRef ds:uri="http://purl.org/dc/dcmitype/"/>
+    <ds:schemaRef ds:uri="http://schemas.microsoft.com/office/infopath/2007/PartnerControls"/>
+    <ds:schemaRef ds:uri="71af3243-3dd4-4a8d-8c0d-dd76da1f02a5"/>
+    <ds:schemaRef ds:uri="http://www.w3.org/XML/1998/namespace"/>
+    <ds:schemaRef ds:uri="http://purl.org/dc/elements/1.1/"/>
+  </ds:schemaRefs>
+</ds:datastoreItem>
 </file>
 
-<file path=customXml/item3.xml><?xml version="1.0" encoding="utf-8"?>
-<p:properties xmlns:p="http://schemas.microsoft.com/office/2006/metadata/properties" xmlns:xsi="http://www.w3.org/2001/XMLSchema-instance" xmlns:pc="http://schemas.microsoft.com/office/infopath/2007/PartnerControls">
-  <documentManagement>
-    <Status xmlns="71af3243-3dd4-4a8d-8c0d-dd76da1f02a5">Not started</Status>
-    <MediaServiceKeyPoints xmlns="71af3243-3dd4-4a8d-8c0d-dd76da1f02a5" xsi:nil="true"/>
-  </documentManagement>
-</p:properties>
+<file path=customXml/itemProps2.xml><?xml version="1.0" encoding="utf-8"?>
+<ds:datastoreItem xmlns:ds="http://schemas.openxmlformats.org/officeDocument/2006/customXml" ds:itemID="{CDB58277-F8DF-46FF-84EC-EF41B835E69F}">
+  <ds:schemaRefs>
+    <ds:schemaRef ds:uri="http://schemas.microsoft.com/sharepoint/v3/contenttype/forms"/>
+  </ds:schemaRefs>
+</ds:datastoreItem>
 </file>
 
-<file path=customXml/itemProps1.xml><?xml version="1.0" encoding="utf-8"?>
+<file path=customXml/itemProps3.xml><?xml version="1.0" encoding="utf-8"?>
 <ds:datastoreItem xmlns:ds="http://schemas.openxmlformats.org/officeDocument/2006/customXml" ds:itemID="{2D276E62-80A3-44DD-9BCC-97ED2B99B57F}">
   <ds:schemaRefs>
     <ds:schemaRef ds:uri="http://schemas.microsoft.com/office/2006/metadata/contentType"/>
@@ -10014,29 +10154,4 @@
     <ds:schemaRef ds:uri="http://schemas.microsoft.com/internal/obd"/>
   </ds:schemaRefs>
 </ds:datastoreItem>
-</file>
-
-<file path=customXml/itemProps2.xml><?xml version="1.0" encoding="utf-8"?>
-<ds:datastoreItem xmlns:ds="http://schemas.openxmlformats.org/officeDocument/2006/customXml" ds:itemID="{CDB58277-F8DF-46FF-84EC-EF41B835E69F}">
-  <ds:schemaRefs>
-    <ds:schemaRef ds:uri="http://schemas.microsoft.com/sharepoint/v3/contenttype/forms"/>
-  </ds:schemaRefs>
-</ds:datastoreItem>
-</file>
-
-<file path=customXml/itemProps3.xml><?xml version="1.0" encoding="utf-8"?>
-<ds:datastoreItem xmlns:ds="http://schemas.openxmlformats.org/officeDocument/2006/customXml" ds:itemID="{137651BA-F45C-4845-9AB3-E0A65B39F5E1}">
-  <ds:schemaRefs>
-    <ds:schemaRef ds:uri="http://schemas.microsoft.com/office/2006/documentManagement/types"/>
-    <ds:schemaRef ds:uri="http://schemas.microsoft.com/office/2006/metadata/properties"/>
-    <ds:schemaRef ds:uri="http://purl.org/dc/terms/"/>
-    <ds:schemaRef ds:uri="http://schemas.openxmlformats.org/package/2006/metadata/core-properties"/>
-    <ds:schemaRef ds:uri="16c05727-aa75-4e4a-9b5f-8a80a1165891"/>
-    <ds:schemaRef ds:uri="http://purl.org/dc/dcmitype/"/>
-    <ds:schemaRef ds:uri="http://schemas.microsoft.com/office/infopath/2007/PartnerControls"/>
-    <ds:schemaRef ds:uri="71af3243-3dd4-4a8d-8c0d-dd76da1f02a5"/>
-    <ds:schemaRef ds:uri="http://www.w3.org/XML/1998/namespace"/>
-    <ds:schemaRef ds:uri="http://purl.org/dc/elements/1.1/"/>
-  </ds:schemaRefs>
-</ds:datastoreItem>
 </file>